--- a/PROJECT_PRESENTATION.pptx
+++ b/PROJECT_PRESENTATION.pptx
@@ -5,7 +5,7 @@
     <p:sldMasterId id="2147483648" r:id="rId1"/>
   </p:sldMasterIdLst>
   <p:notesMasterIdLst>
-    <p:notesMasterId r:id="rId11"/>
+    <p:notesMasterId r:id="rId12"/>
   </p:notesMasterIdLst>
   <p:sldIdLst>
     <p:sldId id="256" r:id="rId2"/>
@@ -14,9 +14,10 @@
     <p:sldId id="259" r:id="rId5"/>
     <p:sldId id="260" r:id="rId6"/>
     <p:sldId id="261" r:id="rId7"/>
-    <p:sldId id="262" r:id="rId8"/>
-    <p:sldId id="263" r:id="rId9"/>
-    <p:sldId id="264" r:id="rId10"/>
+    <p:sldId id="265" r:id="rId8"/>
+    <p:sldId id="262" r:id="rId9"/>
+    <p:sldId id="263" r:id="rId10"/>
+    <p:sldId id="264" r:id="rId11"/>
   </p:sldIdLst>
   <p:sldSz cx="12192000" cy="6858000"/>
   <p:notesSz cx="6858000" cy="9144000"/>
@@ -118,7 +119,7 @@
   <p:extLst>
     <p:ext uri="{EFAFB233-063F-42B5-8137-9DF3F51BA10A}">
       <p15:sldGuideLst xmlns:p15="http://schemas.microsoft.com/office/powerpoint/2012/main">
-        <p15:guide id="1" orient="horz" pos="2183" userDrawn="1">
+        <p15:guide id="1" orient="horz" pos="2160" userDrawn="1">
           <p15:clr>
             <a:srgbClr val="A4A3A4"/>
           </p15:clr>
@@ -684,7 +685,7 @@
         <p:cNvPr id="1" name="">
           <a:extLst>
             <a:ext uri="{FF2B5EF4-FFF2-40B4-BE49-F238E27FC236}">
-              <a16:creationId xmlns:a16="http://schemas.microsoft.com/office/drawing/2014/main" id="{F5F03507-2190-9F83-B878-50F7DB5DE927}"/>
+              <a16:creationId xmlns:a16="http://schemas.microsoft.com/office/drawing/2014/main" id="{8F35F1B2-CE51-1575-F9AB-99C9FDEEA916}"/>
             </a:ext>
           </a:extLst>
         </p:cNvPr>
@@ -704,7 +705,7 @@
           <p:cNvPr id="2" name="Slide Image Placeholder 1">
             <a:extLst>
               <a:ext uri="{FF2B5EF4-FFF2-40B4-BE49-F238E27FC236}">
-                <a16:creationId xmlns:a16="http://schemas.microsoft.com/office/drawing/2014/main" id="{EBA9FECD-2B2A-ADC6-8442-E50D61E7B0AF}"/>
+                <a16:creationId xmlns:a16="http://schemas.microsoft.com/office/drawing/2014/main" id="{7050044E-861C-C345-59B0-FEC6CE23E15C}"/>
               </a:ext>
             </a:extLst>
           </p:cNvPr>
@@ -722,7 +723,7 @@
           <p:cNvPr id="3" name="Notes Placeholder 2">
             <a:extLst>
               <a:ext uri="{FF2B5EF4-FFF2-40B4-BE49-F238E27FC236}">
-                <a16:creationId xmlns:a16="http://schemas.microsoft.com/office/drawing/2014/main" id="{D929F51A-FC40-5230-1795-50D5A75590E4}"/>
+                <a16:creationId xmlns:a16="http://schemas.microsoft.com/office/drawing/2014/main" id="{29AF5FD9-8A09-6E30-37A9-2BA2B072D639}"/>
               </a:ext>
             </a:extLst>
           </p:cNvPr>
@@ -747,7 +748,7 @@
           <p:cNvPr id="4" name="Slide Number Placeholder 3">
             <a:extLst>
               <a:ext uri="{FF2B5EF4-FFF2-40B4-BE49-F238E27FC236}">
-                <a16:creationId xmlns:a16="http://schemas.microsoft.com/office/drawing/2014/main" id="{D5C140EB-B3A7-1C1D-F0FB-D4757780B2C5}"/>
+                <a16:creationId xmlns:a16="http://schemas.microsoft.com/office/drawing/2014/main" id="{18E36DEE-649B-C3F3-C344-74B6BE7E7DE5}"/>
               </a:ext>
             </a:extLst>
           </p:cNvPr>
@@ -763,78 +764,18 @@
           <a:bodyPr/>
           <a:lstStyle/>
           <a:p>
-            <a:pPr marL="0" marR="0" lvl="0" indent="0" algn="r" defTabSz="914400" rtl="0" eaLnBrk="1" fontAlgn="auto" latinLnBrk="0" hangingPunct="1">
-              <a:lnSpc>
-                <a:spcPct val="100000"/>
-              </a:lnSpc>
-              <a:spcBef>
-                <a:spcPts val="0"/>
-              </a:spcBef>
-              <a:spcAft>
-                <a:spcPts val="0"/>
-              </a:spcAft>
-              <a:buClrTx/>
-              <a:buSzTx/>
-              <a:buFontTx/>
-              <a:buNone/>
-              <a:tabLst/>
-              <a:defRPr/>
-            </a:pPr>
             <a:fld id="{7007999A-7079-4F8B-95B8-6114D738E9C9}" type="slidenum">
-              <a:rPr kumimoji="0" lang="en-IN" sz="1200" b="0" i="0" u="none" strike="noStrike" kern="1200" cap="none" spc="0" normalizeH="0" baseline="0" noProof="0" smtClean="0">
-                <a:ln>
-                  <a:noFill/>
-                </a:ln>
-                <a:solidFill>
-                  <a:prstClr val="black"/>
-                </a:solidFill>
-                <a:effectLst/>
-                <a:uLnTx/>
-                <a:uFillTx/>
-                <a:latin typeface="Calibri" panose="020F0502020204030204"/>
-                <a:ea typeface="+mn-ea"/>
-                <a:cs typeface="+mn-cs"/>
-              </a:rPr>
-              <a:pPr marL="0" marR="0" lvl="0" indent="0" algn="r" defTabSz="914400" rtl="0" eaLnBrk="1" fontAlgn="auto" latinLnBrk="0" hangingPunct="1">
-                <a:lnSpc>
-                  <a:spcPct val="100000"/>
-                </a:lnSpc>
-                <a:spcBef>
-                  <a:spcPts val="0"/>
-                </a:spcBef>
-                <a:spcAft>
-                  <a:spcPts val="0"/>
-                </a:spcAft>
-                <a:buClrTx/>
-                <a:buSzTx/>
-                <a:buFontTx/>
-                <a:buNone/>
-                <a:tabLst/>
-                <a:defRPr/>
-              </a:pPr>
+              <a:rPr lang="en-IN" smtClean="0"/>
               <a:t>7</a:t>
             </a:fld>
-            <a:endParaRPr kumimoji="0" lang="en-IN" sz="1200" b="0" i="0" u="none" strike="noStrike" kern="1200" cap="none" spc="0" normalizeH="0" baseline="0" noProof="0">
-              <a:ln>
-                <a:noFill/>
-              </a:ln>
-              <a:solidFill>
-                <a:prstClr val="black"/>
-              </a:solidFill>
-              <a:effectLst/>
-              <a:uLnTx/>
-              <a:uFillTx/>
-              <a:latin typeface="Calibri" panose="020F0502020204030204"/>
-              <a:ea typeface="+mn-ea"/>
-              <a:cs typeface="+mn-cs"/>
-            </a:endParaRPr>
+            <a:endParaRPr lang="en-IN"/>
           </a:p>
         </p:txBody>
       </p:sp>
     </p:spTree>
     <p:extLst>
       <p:ext uri="{BB962C8B-B14F-4D97-AF65-F5344CB8AC3E}">
-        <p14:creationId xmlns:p14="http://schemas.microsoft.com/office/powerpoint/2010/main" val="2641595780"/>
+        <p14:creationId xmlns:p14="http://schemas.microsoft.com/office/powerpoint/2010/main" val="660349534"/>
       </p:ext>
     </p:extLst>
   </p:cSld>
@@ -852,7 +793,7 @@
         <p:cNvPr id="1" name="">
           <a:extLst>
             <a:ext uri="{FF2B5EF4-FFF2-40B4-BE49-F238E27FC236}">
-              <a16:creationId xmlns:a16="http://schemas.microsoft.com/office/drawing/2014/main" id="{8A1210C2-4442-B781-70D5-8A7784582814}"/>
+              <a16:creationId xmlns:a16="http://schemas.microsoft.com/office/drawing/2014/main" id="{F5F03507-2190-9F83-B878-50F7DB5DE927}"/>
             </a:ext>
           </a:extLst>
         </p:cNvPr>
@@ -872,7 +813,7 @@
           <p:cNvPr id="2" name="Slide Image Placeholder 1">
             <a:extLst>
               <a:ext uri="{FF2B5EF4-FFF2-40B4-BE49-F238E27FC236}">
-                <a16:creationId xmlns:a16="http://schemas.microsoft.com/office/drawing/2014/main" id="{0A8BF056-A3B5-D179-FF02-9AB14BC77E7C}"/>
+                <a16:creationId xmlns:a16="http://schemas.microsoft.com/office/drawing/2014/main" id="{EBA9FECD-2B2A-ADC6-8442-E50D61E7B0AF}"/>
               </a:ext>
             </a:extLst>
           </p:cNvPr>
@@ -890,7 +831,7 @@
           <p:cNvPr id="3" name="Notes Placeholder 2">
             <a:extLst>
               <a:ext uri="{FF2B5EF4-FFF2-40B4-BE49-F238E27FC236}">
-                <a16:creationId xmlns:a16="http://schemas.microsoft.com/office/drawing/2014/main" id="{66B2ABD7-43EC-C765-8841-70C2FA27E455}"/>
+                <a16:creationId xmlns:a16="http://schemas.microsoft.com/office/drawing/2014/main" id="{D929F51A-FC40-5230-1795-50D5A75590E4}"/>
               </a:ext>
             </a:extLst>
           </p:cNvPr>
@@ -915,7 +856,7 @@
           <p:cNvPr id="4" name="Slide Number Placeholder 3">
             <a:extLst>
               <a:ext uri="{FF2B5EF4-FFF2-40B4-BE49-F238E27FC236}">
-                <a16:creationId xmlns:a16="http://schemas.microsoft.com/office/drawing/2014/main" id="{6B2B5E1B-6D53-F7D7-87F6-9EB127967DC8}"/>
+                <a16:creationId xmlns:a16="http://schemas.microsoft.com/office/drawing/2014/main" id="{D5C140EB-B3A7-1C1D-F0FB-D4757780B2C5}"/>
               </a:ext>
             </a:extLst>
           </p:cNvPr>
@@ -1002,7 +943,7 @@
     </p:spTree>
     <p:extLst>
       <p:ext uri="{BB962C8B-B14F-4D97-AF65-F5344CB8AC3E}">
-        <p14:creationId xmlns:p14="http://schemas.microsoft.com/office/powerpoint/2010/main" val="699818462"/>
+        <p14:creationId xmlns:p14="http://schemas.microsoft.com/office/powerpoint/2010/main" val="2641595780"/>
       </p:ext>
     </p:extLst>
   </p:cSld>
@@ -1020,7 +961,7 @@
         <p:cNvPr id="1" name="">
           <a:extLst>
             <a:ext uri="{FF2B5EF4-FFF2-40B4-BE49-F238E27FC236}">
-              <a16:creationId xmlns:a16="http://schemas.microsoft.com/office/drawing/2014/main" id="{2A5351DA-7518-CDBB-AD94-84987509C314}"/>
+              <a16:creationId xmlns:a16="http://schemas.microsoft.com/office/drawing/2014/main" id="{8A1210C2-4442-B781-70D5-8A7784582814}"/>
             </a:ext>
           </a:extLst>
         </p:cNvPr>
@@ -1040,7 +981,7 @@
           <p:cNvPr id="2" name="Slide Image Placeholder 1">
             <a:extLst>
               <a:ext uri="{FF2B5EF4-FFF2-40B4-BE49-F238E27FC236}">
-                <a16:creationId xmlns:a16="http://schemas.microsoft.com/office/drawing/2014/main" id="{37D25337-639C-C19E-B2B7-B56A01476FD0}"/>
+                <a16:creationId xmlns:a16="http://schemas.microsoft.com/office/drawing/2014/main" id="{0A8BF056-A3B5-D179-FF02-9AB14BC77E7C}"/>
               </a:ext>
             </a:extLst>
           </p:cNvPr>
@@ -1058,7 +999,7 @@
           <p:cNvPr id="3" name="Notes Placeholder 2">
             <a:extLst>
               <a:ext uri="{FF2B5EF4-FFF2-40B4-BE49-F238E27FC236}">
-                <a16:creationId xmlns:a16="http://schemas.microsoft.com/office/drawing/2014/main" id="{2222D0C5-0406-2865-FEC0-07D7547F0C27}"/>
+                <a16:creationId xmlns:a16="http://schemas.microsoft.com/office/drawing/2014/main" id="{66B2ABD7-43EC-C765-8841-70C2FA27E455}"/>
               </a:ext>
             </a:extLst>
           </p:cNvPr>
@@ -1083,7 +1024,7 @@
           <p:cNvPr id="4" name="Slide Number Placeholder 3">
             <a:extLst>
               <a:ext uri="{FF2B5EF4-FFF2-40B4-BE49-F238E27FC236}">
-                <a16:creationId xmlns:a16="http://schemas.microsoft.com/office/drawing/2014/main" id="{46728327-5330-0896-7C74-8369BA47E56F}"/>
+                <a16:creationId xmlns:a16="http://schemas.microsoft.com/office/drawing/2014/main" id="{6B2B5E1B-6D53-F7D7-87F6-9EB127967DC8}"/>
               </a:ext>
             </a:extLst>
           </p:cNvPr>
@@ -1149,6 +1090,174 @@
                 <a:defRPr/>
               </a:pPr>
               <a:t>9</a:t>
+            </a:fld>
+            <a:endParaRPr kumimoji="0" lang="en-IN" sz="1200" b="0" i="0" u="none" strike="noStrike" kern="1200" cap="none" spc="0" normalizeH="0" baseline="0" noProof="0">
+              <a:ln>
+                <a:noFill/>
+              </a:ln>
+              <a:solidFill>
+                <a:prstClr val="black"/>
+              </a:solidFill>
+              <a:effectLst/>
+              <a:uLnTx/>
+              <a:uFillTx/>
+              <a:latin typeface="Calibri" panose="020F0502020204030204"/>
+              <a:ea typeface="+mn-ea"/>
+              <a:cs typeface="+mn-cs"/>
+            </a:endParaRPr>
+          </a:p>
+        </p:txBody>
+      </p:sp>
+    </p:spTree>
+    <p:extLst>
+      <p:ext uri="{BB962C8B-B14F-4D97-AF65-F5344CB8AC3E}">
+        <p14:creationId xmlns:p14="http://schemas.microsoft.com/office/powerpoint/2010/main" val="699818462"/>
+      </p:ext>
+    </p:extLst>
+  </p:cSld>
+  <p:clrMapOvr>
+    <a:masterClrMapping/>
+  </p:clrMapOvr>
+</p:notes>
+</file>
+
+<file path=ppt/notesSlides/notesSlide6.xml><?xml version="1.0" encoding="utf-8"?>
+<p:notes xmlns:a="http://schemas.openxmlformats.org/drawingml/2006/main" xmlns:r="http://schemas.openxmlformats.org/officeDocument/2006/relationships" xmlns:p="http://schemas.openxmlformats.org/presentationml/2006/main">
+  <p:cSld>
+    <p:spTree>
+      <p:nvGrpSpPr>
+        <p:cNvPr id="1" name="">
+          <a:extLst>
+            <a:ext uri="{FF2B5EF4-FFF2-40B4-BE49-F238E27FC236}">
+              <a16:creationId xmlns:a16="http://schemas.microsoft.com/office/drawing/2014/main" id="{2A5351DA-7518-CDBB-AD94-84987509C314}"/>
+            </a:ext>
+          </a:extLst>
+        </p:cNvPr>
+        <p:cNvGrpSpPr/>
+        <p:nvPr/>
+      </p:nvGrpSpPr>
+      <p:grpSpPr>
+        <a:xfrm>
+          <a:off x="0" y="0"/>
+          <a:ext cx="0" cy="0"/>
+          <a:chOff x="0" y="0"/>
+          <a:chExt cx="0" cy="0"/>
+        </a:xfrm>
+      </p:grpSpPr>
+      <p:sp>
+        <p:nvSpPr>
+          <p:cNvPr id="2" name="Slide Image Placeholder 1">
+            <a:extLst>
+              <a:ext uri="{FF2B5EF4-FFF2-40B4-BE49-F238E27FC236}">
+                <a16:creationId xmlns:a16="http://schemas.microsoft.com/office/drawing/2014/main" id="{37D25337-639C-C19E-B2B7-B56A01476FD0}"/>
+              </a:ext>
+            </a:extLst>
+          </p:cNvPr>
+          <p:cNvSpPr>
+            <a:spLocks noGrp="1" noRot="1" noChangeAspect="1"/>
+          </p:cNvSpPr>
+          <p:nvPr>
+            <p:ph type="sldImg"/>
+          </p:nvPr>
+        </p:nvSpPr>
+        <p:spPr/>
+      </p:sp>
+      <p:sp>
+        <p:nvSpPr>
+          <p:cNvPr id="3" name="Notes Placeholder 2">
+            <a:extLst>
+              <a:ext uri="{FF2B5EF4-FFF2-40B4-BE49-F238E27FC236}">
+                <a16:creationId xmlns:a16="http://schemas.microsoft.com/office/drawing/2014/main" id="{2222D0C5-0406-2865-FEC0-07D7547F0C27}"/>
+              </a:ext>
+            </a:extLst>
+          </p:cNvPr>
+          <p:cNvSpPr>
+            <a:spLocks noGrp="1"/>
+          </p:cNvSpPr>
+          <p:nvPr>
+            <p:ph type="body" idx="1"/>
+          </p:nvPr>
+        </p:nvSpPr>
+        <p:spPr/>
+        <p:txBody>
+          <a:bodyPr/>
+          <a:lstStyle/>
+          <a:p>
+            <a:endParaRPr lang="en-IN" dirty="0"/>
+          </a:p>
+        </p:txBody>
+      </p:sp>
+      <p:sp>
+        <p:nvSpPr>
+          <p:cNvPr id="4" name="Slide Number Placeholder 3">
+            <a:extLst>
+              <a:ext uri="{FF2B5EF4-FFF2-40B4-BE49-F238E27FC236}">
+                <a16:creationId xmlns:a16="http://schemas.microsoft.com/office/drawing/2014/main" id="{46728327-5330-0896-7C74-8369BA47E56F}"/>
+              </a:ext>
+            </a:extLst>
+          </p:cNvPr>
+          <p:cNvSpPr>
+            <a:spLocks noGrp="1"/>
+          </p:cNvSpPr>
+          <p:nvPr>
+            <p:ph type="sldNum" sz="quarter" idx="5"/>
+          </p:nvPr>
+        </p:nvSpPr>
+        <p:spPr/>
+        <p:txBody>
+          <a:bodyPr/>
+          <a:lstStyle/>
+          <a:p>
+            <a:pPr marL="0" marR="0" lvl="0" indent="0" algn="r" defTabSz="914400" rtl="0" eaLnBrk="1" fontAlgn="auto" latinLnBrk="0" hangingPunct="1">
+              <a:lnSpc>
+                <a:spcPct val="100000"/>
+              </a:lnSpc>
+              <a:spcBef>
+                <a:spcPts val="0"/>
+              </a:spcBef>
+              <a:spcAft>
+                <a:spcPts val="0"/>
+              </a:spcAft>
+              <a:buClrTx/>
+              <a:buSzTx/>
+              <a:buFontTx/>
+              <a:buNone/>
+              <a:tabLst/>
+              <a:defRPr/>
+            </a:pPr>
+            <a:fld id="{7007999A-7079-4F8B-95B8-6114D738E9C9}" type="slidenum">
+              <a:rPr kumimoji="0" lang="en-IN" sz="1200" b="0" i="0" u="none" strike="noStrike" kern="1200" cap="none" spc="0" normalizeH="0" baseline="0" noProof="0" smtClean="0">
+                <a:ln>
+                  <a:noFill/>
+                </a:ln>
+                <a:solidFill>
+                  <a:prstClr val="black"/>
+                </a:solidFill>
+                <a:effectLst/>
+                <a:uLnTx/>
+                <a:uFillTx/>
+                <a:latin typeface="Calibri" panose="020F0502020204030204"/>
+                <a:ea typeface="+mn-ea"/>
+                <a:cs typeface="+mn-cs"/>
+              </a:rPr>
+              <a:pPr marL="0" marR="0" lvl="0" indent="0" algn="r" defTabSz="914400" rtl="0" eaLnBrk="1" fontAlgn="auto" latinLnBrk="0" hangingPunct="1">
+                <a:lnSpc>
+                  <a:spcPct val="100000"/>
+                </a:lnSpc>
+                <a:spcBef>
+                  <a:spcPts val="0"/>
+                </a:spcBef>
+                <a:spcAft>
+                  <a:spcPts val="0"/>
+                </a:spcAft>
+                <a:buClrTx/>
+                <a:buSzTx/>
+                <a:buFontTx/>
+                <a:buNone/>
+                <a:tabLst/>
+                <a:defRPr/>
+              </a:pPr>
+              <a:t>10</a:t>
             </a:fld>
             <a:endParaRPr kumimoji="0" lang="en-IN" sz="1200" b="0" i="0" u="none" strike="noStrike" kern="1200" cap="none" spc="0" normalizeH="0" baseline="0" noProof="0">
               <a:ln>
@@ -4827,6 +4936,755 @@
 </p:sld>
 </file>
 
+<file path=ppt/slides/slide10.xml><?xml version="1.0" encoding="utf-8"?>
+<p:sld xmlns:a="http://schemas.openxmlformats.org/drawingml/2006/main" xmlns:r="http://schemas.openxmlformats.org/officeDocument/2006/relationships" xmlns:p="http://schemas.openxmlformats.org/presentationml/2006/main">
+  <p:cSld>
+    <p:bg>
+      <p:bgPr>
+        <a:solidFill>
+          <a:schemeClr val="bg1"/>
+        </a:solidFill>
+        <a:effectLst/>
+      </p:bgPr>
+    </p:bg>
+    <p:spTree>
+      <p:nvGrpSpPr>
+        <p:cNvPr id="1" name="">
+          <a:extLst>
+            <a:ext uri="{FF2B5EF4-FFF2-40B4-BE49-F238E27FC236}">
+              <a16:creationId xmlns:a16="http://schemas.microsoft.com/office/drawing/2014/main" id="{DFC8E876-5F71-79B0-2E25-6FEF0EE2F591}"/>
+            </a:ext>
+          </a:extLst>
+        </p:cNvPr>
+        <p:cNvGrpSpPr/>
+        <p:nvPr/>
+      </p:nvGrpSpPr>
+      <p:grpSpPr>
+        <a:xfrm>
+          <a:off x="0" y="0"/>
+          <a:ext cx="0" cy="0"/>
+          <a:chOff x="0" y="0"/>
+          <a:chExt cx="0" cy="0"/>
+        </a:xfrm>
+      </p:grpSpPr>
+      <p:pic>
+        <p:nvPicPr>
+          <p:cNvPr id="4" name="Picture 3">
+            <a:extLst>
+              <a:ext uri="{FF2B5EF4-FFF2-40B4-BE49-F238E27FC236}">
+                <a16:creationId xmlns:a16="http://schemas.microsoft.com/office/drawing/2014/main" id="{2230427A-2BBC-3623-37AA-1E04A145AD03}"/>
+              </a:ext>
+            </a:extLst>
+          </p:cNvPr>
+          <p:cNvPicPr>
+            <a:picLocks noChangeAspect="1"/>
+          </p:cNvPicPr>
+          <p:nvPr/>
+        </p:nvPicPr>
+        <p:blipFill>
+          <a:blip r:embed="rId3"/>
+          <a:stretch>
+            <a:fillRect/>
+          </a:stretch>
+        </p:blipFill>
+        <p:spPr>
+          <a:xfrm>
+            <a:off x="1088571" y="452994"/>
+            <a:ext cx="9575555" cy="5673573"/>
+          </a:xfrm>
+          <a:prstGeom prst="rect">
+            <a:avLst/>
+          </a:prstGeom>
+          <a:ln>
+            <a:solidFill>
+              <a:schemeClr val="bg1"/>
+            </a:solidFill>
+          </a:ln>
+          <a:effectLst>
+            <a:outerShdw dist="50800" sx="1000" sy="1000" algn="ctr" rotWithShape="0">
+              <a:schemeClr val="bg1"/>
+            </a:outerShdw>
+          </a:effectLst>
+        </p:spPr>
+      </p:pic>
+      <p:sp>
+        <p:nvSpPr>
+          <p:cNvPr id="5" name="TextBox 4">
+            <a:extLst>
+              <a:ext uri="{FF2B5EF4-FFF2-40B4-BE49-F238E27FC236}">
+                <a16:creationId xmlns:a16="http://schemas.microsoft.com/office/drawing/2014/main" id="{E174D0E7-30A6-510F-5969-52867D31B594}"/>
+              </a:ext>
+            </a:extLst>
+          </p:cNvPr>
+          <p:cNvSpPr txBox="1"/>
+          <p:nvPr/>
+        </p:nvSpPr>
+        <p:spPr>
+          <a:xfrm>
+            <a:off x="1534886" y="2841171"/>
+            <a:ext cx="9013371" cy="1426029"/>
+          </a:xfrm>
+          <a:prstGeom prst="rect">
+            <a:avLst/>
+          </a:prstGeom>
+          <a:solidFill>
+            <a:schemeClr val="bg1"/>
+          </a:solidFill>
+        </p:spPr>
+        <p:txBody>
+          <a:bodyPr wrap="square" rtlCol="0">
+            <a:spAutoFit/>
+          </a:bodyPr>
+          <a:lstStyle/>
+          <a:p>
+            <a:endParaRPr lang="en-IN" dirty="0"/>
+          </a:p>
+        </p:txBody>
+      </p:sp>
+      <p:sp>
+        <p:nvSpPr>
+          <p:cNvPr id="6" name="TextBox 5">
+            <a:extLst>
+              <a:ext uri="{FF2B5EF4-FFF2-40B4-BE49-F238E27FC236}">
+                <a16:creationId xmlns:a16="http://schemas.microsoft.com/office/drawing/2014/main" id="{5650F94A-6A5A-3DD8-700E-666541CEAE03}"/>
+              </a:ext>
+            </a:extLst>
+          </p:cNvPr>
+          <p:cNvSpPr txBox="1"/>
+          <p:nvPr/>
+        </p:nvSpPr>
+        <p:spPr>
+          <a:xfrm>
+            <a:off x="4038600" y="3048000"/>
+            <a:ext cx="4212771" cy="830997"/>
+          </a:xfrm>
+          <a:prstGeom prst="rect">
+            <a:avLst/>
+          </a:prstGeom>
+          <a:noFill/>
+        </p:spPr>
+        <p:txBody>
+          <a:bodyPr wrap="square" rtlCol="0">
+            <a:spAutoFit/>
+          </a:bodyPr>
+          <a:lstStyle/>
+          <a:p>
+            <a:pPr algn="ctr"/>
+            <a:r>
+              <a:rPr lang="en-US" sz="4800" b="1" dirty="0">
+                <a:solidFill>
+                  <a:srgbClr val="0041A0"/>
+                </a:solidFill>
+                <a:latin typeface="Hanken Grotesk"/>
+              </a:rPr>
+              <a:t>THANK YOU</a:t>
+            </a:r>
+            <a:endParaRPr lang="en-IN" sz="4800" b="1" dirty="0">
+              <a:solidFill>
+                <a:srgbClr val="0041A0"/>
+              </a:solidFill>
+              <a:latin typeface="Hanken Grotesk"/>
+            </a:endParaRPr>
+          </a:p>
+        </p:txBody>
+      </p:sp>
+      <p:sp>
+        <p:nvSpPr>
+          <p:cNvPr id="7" name="Rectangle 6">
+            <a:extLst>
+              <a:ext uri="{FF2B5EF4-FFF2-40B4-BE49-F238E27FC236}">
+                <a16:creationId xmlns:a16="http://schemas.microsoft.com/office/drawing/2014/main" id="{70F40107-B009-BA25-AC55-0A5ECF940D17}"/>
+              </a:ext>
+            </a:extLst>
+          </p:cNvPr>
+          <p:cNvSpPr/>
+          <p:nvPr/>
+        </p:nvSpPr>
+        <p:spPr>
+          <a:xfrm rot="5400000">
+            <a:off x="10891157" y="4207884"/>
+            <a:ext cx="1338944" cy="1262744"/>
+          </a:xfrm>
+          <a:prstGeom prst="rect">
+            <a:avLst/>
+          </a:prstGeom>
+          <a:solidFill>
+            <a:srgbClr val="0078A0"/>
+          </a:solidFill>
+          <a:ln>
+            <a:noFill/>
+          </a:ln>
+        </p:spPr>
+        <p:style>
+          <a:lnRef idx="2">
+            <a:schemeClr val="accent1">
+              <a:shade val="15000"/>
+            </a:schemeClr>
+          </a:lnRef>
+          <a:fillRef idx="1">
+            <a:schemeClr val="accent1"/>
+          </a:fillRef>
+          <a:effectRef idx="0">
+            <a:schemeClr val="accent1"/>
+          </a:effectRef>
+          <a:fontRef idx="minor">
+            <a:schemeClr val="lt1"/>
+          </a:fontRef>
+        </p:style>
+        <p:txBody>
+          <a:bodyPr rtlCol="0" anchor="ctr"/>
+          <a:lstStyle/>
+          <a:p>
+            <a:pPr algn="ctr"/>
+            <a:endParaRPr lang="en-IN"/>
+          </a:p>
+        </p:txBody>
+      </p:sp>
+      <p:sp>
+        <p:nvSpPr>
+          <p:cNvPr id="8" name="Rectangle 7">
+            <a:extLst>
+              <a:ext uri="{FF2B5EF4-FFF2-40B4-BE49-F238E27FC236}">
+                <a16:creationId xmlns:a16="http://schemas.microsoft.com/office/drawing/2014/main" id="{24D6F627-FE28-15EE-6A8B-6C1F5D6104BD}"/>
+              </a:ext>
+            </a:extLst>
+          </p:cNvPr>
+          <p:cNvSpPr/>
+          <p:nvPr/>
+        </p:nvSpPr>
+        <p:spPr>
+          <a:xfrm>
+            <a:off x="11506200" y="2830841"/>
+            <a:ext cx="685800" cy="1338943"/>
+          </a:xfrm>
+          <a:prstGeom prst="rect">
+            <a:avLst/>
+          </a:prstGeom>
+          <a:solidFill>
+            <a:srgbClr val="FFFF00"/>
+          </a:solidFill>
+          <a:ln>
+            <a:noFill/>
+          </a:ln>
+        </p:spPr>
+        <p:style>
+          <a:lnRef idx="3">
+            <a:schemeClr val="lt1"/>
+          </a:lnRef>
+          <a:fillRef idx="1">
+            <a:schemeClr val="accent4"/>
+          </a:fillRef>
+          <a:effectRef idx="1">
+            <a:schemeClr val="accent4"/>
+          </a:effectRef>
+          <a:fontRef idx="minor">
+            <a:schemeClr val="lt1"/>
+          </a:fontRef>
+        </p:style>
+        <p:txBody>
+          <a:bodyPr rtlCol="0" anchor="ctr"/>
+          <a:lstStyle/>
+          <a:p>
+            <a:pPr algn="ctr"/>
+            <a:endParaRPr lang="en-IN" dirty="0">
+              <a:highlight>
+                <a:srgbClr val="FFFF00"/>
+              </a:highlight>
+            </a:endParaRPr>
+          </a:p>
+        </p:txBody>
+      </p:sp>
+      <p:sp>
+        <p:nvSpPr>
+          <p:cNvPr id="10" name="Rectangle 9">
+            <a:extLst>
+              <a:ext uri="{FF2B5EF4-FFF2-40B4-BE49-F238E27FC236}">
+                <a16:creationId xmlns:a16="http://schemas.microsoft.com/office/drawing/2014/main" id="{FA04CE57-A5D8-8EB0-B5E0-BC8C1AB3383D}"/>
+              </a:ext>
+            </a:extLst>
+          </p:cNvPr>
+          <p:cNvSpPr/>
+          <p:nvPr/>
+        </p:nvSpPr>
+        <p:spPr>
+          <a:xfrm>
+            <a:off x="10243457" y="5508728"/>
+            <a:ext cx="685800" cy="731433"/>
+          </a:xfrm>
+          <a:prstGeom prst="rect">
+            <a:avLst/>
+          </a:prstGeom>
+          <a:solidFill>
+            <a:srgbClr val="FFFF00"/>
+          </a:solidFill>
+          <a:ln>
+            <a:noFill/>
+          </a:ln>
+        </p:spPr>
+        <p:style>
+          <a:lnRef idx="3">
+            <a:schemeClr val="lt1"/>
+          </a:lnRef>
+          <a:fillRef idx="1">
+            <a:schemeClr val="accent4"/>
+          </a:fillRef>
+          <a:effectRef idx="1">
+            <a:schemeClr val="accent4"/>
+          </a:effectRef>
+          <a:fontRef idx="minor">
+            <a:schemeClr val="lt1"/>
+          </a:fontRef>
+        </p:style>
+        <p:txBody>
+          <a:bodyPr rtlCol="0" anchor="ctr"/>
+          <a:lstStyle/>
+          <a:p>
+            <a:pPr algn="ctr"/>
+            <a:endParaRPr lang="en-IN" dirty="0">
+              <a:highlight>
+                <a:srgbClr val="FFFF00"/>
+              </a:highlight>
+            </a:endParaRPr>
+          </a:p>
+        </p:txBody>
+      </p:sp>
+      <p:sp>
+        <p:nvSpPr>
+          <p:cNvPr id="11" name="Rectangle 10">
+            <a:extLst>
+              <a:ext uri="{FF2B5EF4-FFF2-40B4-BE49-F238E27FC236}">
+                <a16:creationId xmlns:a16="http://schemas.microsoft.com/office/drawing/2014/main" id="{C6998EE1-76C7-B981-4E2B-C2E126A686E9}"/>
+              </a:ext>
+            </a:extLst>
+          </p:cNvPr>
+          <p:cNvSpPr/>
+          <p:nvPr/>
+        </p:nvSpPr>
+        <p:spPr>
+          <a:xfrm rot="5400000">
+            <a:off x="10925137" y="6244281"/>
+            <a:ext cx="617840" cy="609601"/>
+          </a:xfrm>
+          <a:prstGeom prst="rect">
+            <a:avLst/>
+          </a:prstGeom>
+          <a:solidFill>
+            <a:srgbClr val="0078A0"/>
+          </a:solidFill>
+          <a:ln>
+            <a:noFill/>
+          </a:ln>
+        </p:spPr>
+        <p:style>
+          <a:lnRef idx="2">
+            <a:schemeClr val="accent1">
+              <a:shade val="15000"/>
+            </a:schemeClr>
+          </a:lnRef>
+          <a:fillRef idx="1">
+            <a:schemeClr val="accent1"/>
+          </a:fillRef>
+          <a:effectRef idx="0">
+            <a:schemeClr val="accent1"/>
+          </a:effectRef>
+          <a:fontRef idx="minor">
+            <a:schemeClr val="lt1"/>
+          </a:fontRef>
+        </p:style>
+        <p:txBody>
+          <a:bodyPr rtlCol="0" anchor="ctr"/>
+          <a:lstStyle/>
+          <a:p>
+            <a:pPr algn="ctr"/>
+            <a:endParaRPr lang="en-IN"/>
+          </a:p>
+        </p:txBody>
+      </p:sp>
+      <p:sp>
+        <p:nvSpPr>
+          <p:cNvPr id="12" name="Rectangle 11">
+            <a:extLst>
+              <a:ext uri="{FF2B5EF4-FFF2-40B4-BE49-F238E27FC236}">
+                <a16:creationId xmlns:a16="http://schemas.microsoft.com/office/drawing/2014/main" id="{109963C3-169C-4412-D0A3-31E45ED87856}"/>
+              </a:ext>
+            </a:extLst>
+          </p:cNvPr>
+          <p:cNvSpPr/>
+          <p:nvPr/>
+        </p:nvSpPr>
+        <p:spPr>
+          <a:xfrm rot="5400000">
+            <a:off x="398218" y="333215"/>
+            <a:ext cx="731435" cy="1527874"/>
+          </a:xfrm>
+          <a:prstGeom prst="rect">
+            <a:avLst/>
+          </a:prstGeom>
+          <a:solidFill>
+            <a:srgbClr val="0078A0"/>
+          </a:solidFill>
+          <a:ln>
+            <a:noFill/>
+          </a:ln>
+        </p:spPr>
+        <p:style>
+          <a:lnRef idx="2">
+            <a:schemeClr val="accent1">
+              <a:shade val="15000"/>
+            </a:schemeClr>
+          </a:lnRef>
+          <a:fillRef idx="1">
+            <a:schemeClr val="accent1"/>
+          </a:fillRef>
+          <a:effectRef idx="0">
+            <a:schemeClr val="accent1"/>
+          </a:effectRef>
+          <a:fontRef idx="minor">
+            <a:schemeClr val="lt1"/>
+          </a:fontRef>
+        </p:style>
+        <p:txBody>
+          <a:bodyPr rtlCol="0" anchor="ctr"/>
+          <a:lstStyle/>
+          <a:p>
+            <a:pPr algn="ctr"/>
+            <a:endParaRPr lang="en-IN"/>
+          </a:p>
+        </p:txBody>
+      </p:sp>
+      <p:sp>
+        <p:nvSpPr>
+          <p:cNvPr id="13" name="Rectangle 12">
+            <a:extLst>
+              <a:ext uri="{FF2B5EF4-FFF2-40B4-BE49-F238E27FC236}">
+                <a16:creationId xmlns:a16="http://schemas.microsoft.com/office/drawing/2014/main" id="{C0D3185B-F3EC-4784-93AD-5FFE44111C4B}"/>
+              </a:ext>
+            </a:extLst>
+          </p:cNvPr>
+          <p:cNvSpPr/>
+          <p:nvPr/>
+        </p:nvSpPr>
+        <p:spPr>
+          <a:xfrm>
+            <a:off x="0" y="-15281"/>
+            <a:ext cx="685800" cy="731433"/>
+          </a:xfrm>
+          <a:prstGeom prst="rect">
+            <a:avLst/>
+          </a:prstGeom>
+          <a:solidFill>
+            <a:srgbClr val="FFFF00"/>
+          </a:solidFill>
+          <a:ln>
+            <a:noFill/>
+          </a:ln>
+        </p:spPr>
+        <p:style>
+          <a:lnRef idx="3">
+            <a:schemeClr val="lt1"/>
+          </a:lnRef>
+          <a:fillRef idx="1">
+            <a:schemeClr val="accent4"/>
+          </a:fillRef>
+          <a:effectRef idx="1">
+            <a:schemeClr val="accent4"/>
+          </a:effectRef>
+          <a:fontRef idx="minor">
+            <a:schemeClr val="lt1"/>
+          </a:fontRef>
+        </p:style>
+        <p:txBody>
+          <a:bodyPr rtlCol="0" anchor="ctr"/>
+          <a:lstStyle/>
+          <a:p>
+            <a:pPr algn="ctr"/>
+            <a:endParaRPr lang="en-IN" dirty="0">
+              <a:highlight>
+                <a:srgbClr val="FFFF00"/>
+              </a:highlight>
+            </a:endParaRPr>
+          </a:p>
+        </p:txBody>
+      </p:sp>
+      <p:sp>
+        <p:nvSpPr>
+          <p:cNvPr id="14" name="Rectangle 13">
+            <a:extLst>
+              <a:ext uri="{FF2B5EF4-FFF2-40B4-BE49-F238E27FC236}">
+                <a16:creationId xmlns:a16="http://schemas.microsoft.com/office/drawing/2014/main" id="{110B83FB-3764-6C92-91F2-374CEE23AE0F}"/>
+              </a:ext>
+            </a:extLst>
+          </p:cNvPr>
+          <p:cNvSpPr/>
+          <p:nvPr/>
+        </p:nvSpPr>
+        <p:spPr>
+          <a:xfrm>
+            <a:off x="1527873" y="1462870"/>
+            <a:ext cx="583956" cy="550987"/>
+          </a:xfrm>
+          <a:prstGeom prst="rect">
+            <a:avLst/>
+          </a:prstGeom>
+          <a:solidFill>
+            <a:srgbClr val="FFFF00"/>
+          </a:solidFill>
+          <a:ln>
+            <a:noFill/>
+          </a:ln>
+        </p:spPr>
+        <p:style>
+          <a:lnRef idx="3">
+            <a:schemeClr val="lt1"/>
+          </a:lnRef>
+          <a:fillRef idx="1">
+            <a:schemeClr val="accent4"/>
+          </a:fillRef>
+          <a:effectRef idx="1">
+            <a:schemeClr val="accent4"/>
+          </a:effectRef>
+          <a:fontRef idx="minor">
+            <a:schemeClr val="lt1"/>
+          </a:fontRef>
+        </p:style>
+        <p:txBody>
+          <a:bodyPr rtlCol="0" anchor="ctr"/>
+          <a:lstStyle/>
+          <a:p>
+            <a:pPr algn="ctr"/>
+            <a:endParaRPr lang="en-IN" dirty="0">
+              <a:highlight>
+                <a:srgbClr val="FFFF00"/>
+              </a:highlight>
+            </a:endParaRPr>
+          </a:p>
+        </p:txBody>
+      </p:sp>
+      <p:sp>
+        <p:nvSpPr>
+          <p:cNvPr id="15" name="Rectangle 14">
+            <a:extLst>
+              <a:ext uri="{FF2B5EF4-FFF2-40B4-BE49-F238E27FC236}">
+                <a16:creationId xmlns:a16="http://schemas.microsoft.com/office/drawing/2014/main" id="{971D1712-BF6D-6916-9CBC-57FA9F9B8B90}"/>
+              </a:ext>
+            </a:extLst>
+          </p:cNvPr>
+          <p:cNvSpPr/>
+          <p:nvPr/>
+        </p:nvSpPr>
+        <p:spPr>
+          <a:xfrm rot="5400000">
+            <a:off x="-46032" y="6286190"/>
+            <a:ext cx="617841" cy="525782"/>
+          </a:xfrm>
+          <a:prstGeom prst="rect">
+            <a:avLst/>
+          </a:prstGeom>
+          <a:solidFill>
+            <a:srgbClr val="0078A0"/>
+          </a:solidFill>
+          <a:ln>
+            <a:noFill/>
+          </a:ln>
+        </p:spPr>
+        <p:style>
+          <a:lnRef idx="2">
+            <a:schemeClr val="accent1">
+              <a:shade val="15000"/>
+            </a:schemeClr>
+          </a:lnRef>
+          <a:fillRef idx="1">
+            <a:schemeClr val="accent1"/>
+          </a:fillRef>
+          <a:effectRef idx="0">
+            <a:schemeClr val="accent1"/>
+          </a:effectRef>
+          <a:fontRef idx="minor">
+            <a:schemeClr val="lt1"/>
+          </a:fontRef>
+        </p:style>
+        <p:txBody>
+          <a:bodyPr rtlCol="0" anchor="ctr"/>
+          <a:lstStyle/>
+          <a:p>
+            <a:pPr algn="ctr"/>
+            <a:endParaRPr lang="en-IN"/>
+          </a:p>
+        </p:txBody>
+      </p:sp>
+      <p:sp>
+        <p:nvSpPr>
+          <p:cNvPr id="16" name="Rectangle 15">
+            <a:extLst>
+              <a:ext uri="{FF2B5EF4-FFF2-40B4-BE49-F238E27FC236}">
+                <a16:creationId xmlns:a16="http://schemas.microsoft.com/office/drawing/2014/main" id="{AD1DC1BE-07E3-4AF6-2676-9927AD6A37EF}"/>
+              </a:ext>
+            </a:extLst>
+          </p:cNvPr>
+          <p:cNvSpPr/>
+          <p:nvPr/>
+        </p:nvSpPr>
+        <p:spPr>
+          <a:xfrm>
+            <a:off x="11538858" y="-15282"/>
+            <a:ext cx="653142" cy="731433"/>
+          </a:xfrm>
+          <a:prstGeom prst="rect">
+            <a:avLst/>
+          </a:prstGeom>
+          <a:solidFill>
+            <a:srgbClr val="FFFF00"/>
+          </a:solidFill>
+          <a:ln>
+            <a:noFill/>
+          </a:ln>
+        </p:spPr>
+        <p:style>
+          <a:lnRef idx="3">
+            <a:schemeClr val="lt1"/>
+          </a:lnRef>
+          <a:fillRef idx="1">
+            <a:schemeClr val="accent4"/>
+          </a:fillRef>
+          <a:effectRef idx="1">
+            <a:schemeClr val="accent4"/>
+          </a:effectRef>
+          <a:fontRef idx="minor">
+            <a:schemeClr val="lt1"/>
+          </a:fontRef>
+        </p:style>
+        <p:txBody>
+          <a:bodyPr rtlCol="0" anchor="ctr"/>
+          <a:lstStyle/>
+          <a:p>
+            <a:pPr algn="ctr"/>
+            <a:endParaRPr lang="en-IN" dirty="0">
+              <a:highlight>
+                <a:srgbClr val="FFFF00"/>
+              </a:highlight>
+            </a:endParaRPr>
+          </a:p>
+        </p:txBody>
+      </p:sp>
+      <p:sp>
+        <p:nvSpPr>
+          <p:cNvPr id="3" name="Rectangle 2">
+            <a:extLst>
+              <a:ext uri="{FF2B5EF4-FFF2-40B4-BE49-F238E27FC236}">
+                <a16:creationId xmlns:a16="http://schemas.microsoft.com/office/drawing/2014/main" id="{5B6A854E-7FD7-C897-CFC9-35CC52D0C5B0}"/>
+              </a:ext>
+            </a:extLst>
+          </p:cNvPr>
+          <p:cNvSpPr/>
+          <p:nvPr/>
+        </p:nvSpPr>
+        <p:spPr>
+          <a:xfrm>
+            <a:off x="504614" y="6030686"/>
+            <a:ext cx="181186" cy="209474"/>
+          </a:xfrm>
+          <a:prstGeom prst="rect">
+            <a:avLst/>
+          </a:prstGeom>
+          <a:solidFill>
+            <a:srgbClr val="FFFF00"/>
+          </a:solidFill>
+          <a:ln>
+            <a:noFill/>
+          </a:ln>
+        </p:spPr>
+        <p:style>
+          <a:lnRef idx="3">
+            <a:schemeClr val="lt1"/>
+          </a:lnRef>
+          <a:fillRef idx="1">
+            <a:schemeClr val="accent4"/>
+          </a:fillRef>
+          <a:effectRef idx="1">
+            <a:schemeClr val="accent4"/>
+          </a:effectRef>
+          <a:fontRef idx="minor">
+            <a:schemeClr val="lt1"/>
+          </a:fontRef>
+        </p:style>
+        <p:txBody>
+          <a:bodyPr rtlCol="0" anchor="ctr"/>
+          <a:lstStyle/>
+          <a:p>
+            <a:pPr algn="ctr"/>
+            <a:endParaRPr lang="en-IN" dirty="0">
+              <a:highlight>
+                <a:srgbClr val="FFFF00"/>
+              </a:highlight>
+            </a:endParaRPr>
+          </a:p>
+        </p:txBody>
+      </p:sp>
+      <p:sp>
+        <p:nvSpPr>
+          <p:cNvPr id="9" name="Rectangle 8">
+            <a:extLst>
+              <a:ext uri="{FF2B5EF4-FFF2-40B4-BE49-F238E27FC236}">
+                <a16:creationId xmlns:a16="http://schemas.microsoft.com/office/drawing/2014/main" id="{34290854-9161-019F-47D6-706FE001CF00}"/>
+              </a:ext>
+            </a:extLst>
+          </p:cNvPr>
+          <p:cNvSpPr/>
+          <p:nvPr/>
+        </p:nvSpPr>
+        <p:spPr>
+          <a:xfrm rot="5400000">
+            <a:off x="11347310" y="539888"/>
+            <a:ext cx="198037" cy="185059"/>
+          </a:xfrm>
+          <a:prstGeom prst="rect">
+            <a:avLst/>
+          </a:prstGeom>
+          <a:solidFill>
+            <a:srgbClr val="0078A0"/>
+          </a:solidFill>
+          <a:ln>
+            <a:noFill/>
+          </a:ln>
+        </p:spPr>
+        <p:style>
+          <a:lnRef idx="2">
+            <a:schemeClr val="accent1">
+              <a:shade val="15000"/>
+            </a:schemeClr>
+          </a:lnRef>
+          <a:fillRef idx="1">
+            <a:schemeClr val="accent1"/>
+          </a:fillRef>
+          <a:effectRef idx="0">
+            <a:schemeClr val="accent1"/>
+          </a:effectRef>
+          <a:fontRef idx="minor">
+            <a:schemeClr val="lt1"/>
+          </a:fontRef>
+        </p:style>
+        <p:txBody>
+          <a:bodyPr rtlCol="0" anchor="ctr"/>
+          <a:lstStyle/>
+          <a:p>
+            <a:pPr algn="ctr"/>
+            <a:endParaRPr lang="en-IN"/>
+          </a:p>
+        </p:txBody>
+      </p:sp>
+    </p:spTree>
+    <p:extLst>
+      <p:ext uri="{BB962C8B-B14F-4D97-AF65-F5344CB8AC3E}">
+        <p14:creationId xmlns:p14="http://schemas.microsoft.com/office/powerpoint/2010/main" val="2640778480"/>
+      </p:ext>
+    </p:extLst>
+  </p:cSld>
+  <p:clrMapOvr>
+    <a:masterClrMapping/>
+  </p:clrMapOvr>
+</p:sld>
+</file>
+
 <file path=ppt/slides/slide2.xml><?xml version="1.0" encoding="utf-8"?>
 <p:sld xmlns:a="http://schemas.openxmlformats.org/drawingml/2006/main" xmlns:r="http://schemas.openxmlformats.org/officeDocument/2006/relationships" xmlns:p="http://schemas.openxmlformats.org/presentationml/2006/main">
   <p:cSld>
@@ -5181,28 +6039,29 @@
               <a:shade val="85000"/>
             </a:srgbClr>
           </a:solidFill>
-          <a:ln w="190500" cap="rnd">
+          <a:ln w="88900" cap="sq">
             <a:solidFill>
               <a:srgbClr val="FFFFFF"/>
             </a:solidFill>
+            <a:miter lim="800000"/>
           </a:ln>
           <a:effectLst>
-            <a:outerShdw blurRad="50000" algn="tl" rotWithShape="0">
+            <a:outerShdw blurRad="55000" dist="18000" dir="5400000" algn="tl" rotWithShape="0">
               <a:srgbClr val="000000">
-                <a:alpha val="41000"/>
+                <a:alpha val="40000"/>
               </a:srgbClr>
             </a:outerShdw>
           </a:effectLst>
           <a:scene3d>
             <a:camera prst="orthographicFront"/>
             <a:lightRig rig="twoPt" dir="t">
-              <a:rot lat="0" lon="0" rev="7800000"/>
+              <a:rot lat="0" lon="0" rev="7200000"/>
             </a:lightRig>
           </a:scene3d>
-          <a:sp3d contourW="6350">
-            <a:bevelT w="50800" h="16510"/>
+          <a:sp3d>
+            <a:bevelT w="25400" h="19050"/>
             <a:contourClr>
-              <a:srgbClr val="C0C0C0"/>
+              <a:srgbClr val="FFFFFF"/>
             </a:contourClr>
           </a:sp3d>
         </p:spPr>
@@ -7278,7 +8137,7 @@
         <p:cNvPr id="1" name="">
           <a:extLst>
             <a:ext uri="{FF2B5EF4-FFF2-40B4-BE49-F238E27FC236}">
-              <a16:creationId xmlns:a16="http://schemas.microsoft.com/office/drawing/2014/main" id="{7233D68D-4D1F-1EAF-1482-0D760F9FC734}"/>
+              <a16:creationId xmlns:a16="http://schemas.microsoft.com/office/drawing/2014/main" id="{080C5806-06E4-7BAD-4505-3F518F601CC9}"/>
             </a:ext>
           </a:extLst>
         </p:cNvPr>
@@ -7295,10 +8154,10 @@
       </p:grpSpPr>
       <p:sp>
         <p:nvSpPr>
-          <p:cNvPr id="9" name="Rectangle 8">
-            <a:extLst>
-              <a:ext uri="{FF2B5EF4-FFF2-40B4-BE49-F238E27FC236}">
-                <a16:creationId xmlns:a16="http://schemas.microsoft.com/office/drawing/2014/main" id="{9D699088-DA09-B04C-703D-9AA58FE6A283}"/>
+          <p:cNvPr id="7" name="Rectangle 6">
+            <a:extLst>
+              <a:ext uri="{FF2B5EF4-FFF2-40B4-BE49-F238E27FC236}">
+                <a16:creationId xmlns:a16="http://schemas.microsoft.com/office/drawing/2014/main" id="{A89BFE06-A58E-CB53-6732-6144828500FA}"/>
               </a:ext>
             </a:extLst>
           </p:cNvPr>
@@ -7307,7 +8166,7 @@
         </p:nvSpPr>
         <p:spPr>
           <a:xfrm rot="16200000">
-            <a:off x="10907503" y="5894614"/>
+            <a:off x="11018339" y="5894614"/>
             <a:ext cx="587829" cy="1338943"/>
           </a:xfrm>
           <a:prstGeom prst="rect">
@@ -7375,12 +8234,156 @@
           </a:p>
         </p:txBody>
       </p:sp>
+      <p:sp>
+        <p:nvSpPr>
+          <p:cNvPr id="15" name="Rectangle 14">
+            <a:extLst>
+              <a:ext uri="{FF2B5EF4-FFF2-40B4-BE49-F238E27FC236}">
+                <a16:creationId xmlns:a16="http://schemas.microsoft.com/office/drawing/2014/main" id="{C5EAC973-E775-EADC-B4F8-B07B5C4D18C0}"/>
+              </a:ext>
+            </a:extLst>
+          </p:cNvPr>
+          <p:cNvSpPr/>
+          <p:nvPr/>
+        </p:nvSpPr>
+        <p:spPr>
+          <a:xfrm>
+            <a:off x="5410200" y="1"/>
+            <a:ext cx="685800" cy="795646"/>
+          </a:xfrm>
+          <a:prstGeom prst="rect">
+            <a:avLst/>
+          </a:prstGeom>
+          <a:solidFill>
+            <a:srgbClr val="FFFF00"/>
+          </a:solidFill>
+          <a:ln>
+            <a:noFill/>
+          </a:ln>
+        </p:spPr>
+        <p:style>
+          <a:lnRef idx="3">
+            <a:schemeClr val="lt1"/>
+          </a:lnRef>
+          <a:fillRef idx="1">
+            <a:schemeClr val="accent4"/>
+          </a:fillRef>
+          <a:effectRef idx="1">
+            <a:schemeClr val="accent4"/>
+          </a:effectRef>
+          <a:fontRef idx="minor">
+            <a:schemeClr val="lt1"/>
+          </a:fontRef>
+        </p:style>
+        <p:txBody>
+          <a:bodyPr rtlCol="0" anchor="ctr"/>
+          <a:lstStyle/>
+          <a:p>
+            <a:pPr algn="ctr"/>
+            <a:endParaRPr lang="en-IN" dirty="0">
+              <a:highlight>
+                <a:srgbClr val="FFFF00"/>
+              </a:highlight>
+            </a:endParaRPr>
+          </a:p>
+        </p:txBody>
+      </p:sp>
+      <p:sp>
+        <p:nvSpPr>
+          <p:cNvPr id="5" name="TextBox 4">
+            <a:extLst>
+              <a:ext uri="{FF2B5EF4-FFF2-40B4-BE49-F238E27FC236}">
+                <a16:creationId xmlns:a16="http://schemas.microsoft.com/office/drawing/2014/main" id="{4D9AF014-8CF1-BCEE-F2EB-EEC947946FAE}"/>
+              </a:ext>
+            </a:extLst>
+          </p:cNvPr>
+          <p:cNvSpPr txBox="1"/>
+          <p:nvPr/>
+        </p:nvSpPr>
+        <p:spPr>
+          <a:xfrm>
+            <a:off x="356260" y="784163"/>
+            <a:ext cx="5593277" cy="523220"/>
+          </a:xfrm>
+          <a:prstGeom prst="rect">
+            <a:avLst/>
+          </a:prstGeom>
+          <a:noFill/>
+        </p:spPr>
+        <p:txBody>
+          <a:bodyPr wrap="square" rtlCol="0">
+            <a:spAutoFit/>
+          </a:bodyPr>
+          <a:lstStyle/>
+          <a:p>
+            <a:pPr algn="ctr"/>
+            <a:r>
+              <a:rPr lang="en-US" sz="2800" b="1" dirty="0">
+                <a:solidFill>
+                  <a:schemeClr val="bg1"/>
+                </a:solidFill>
+              </a:rPr>
+              <a:t>PRODUCT CHOICE ANALYSIS </a:t>
+            </a:r>
+            <a:endParaRPr lang="en-IN" sz="2800" b="1" dirty="0">
+              <a:solidFill>
+                <a:schemeClr val="bg1"/>
+              </a:solidFill>
+            </a:endParaRPr>
+          </a:p>
+        </p:txBody>
+      </p:sp>
+      <p:sp>
+        <p:nvSpPr>
+          <p:cNvPr id="8" name="TextBox 7">
+            <a:extLst>
+              <a:ext uri="{FF2B5EF4-FFF2-40B4-BE49-F238E27FC236}">
+                <a16:creationId xmlns:a16="http://schemas.microsoft.com/office/drawing/2014/main" id="{AF546F63-838A-A990-5B0F-78AE86C7D12E}"/>
+              </a:ext>
+            </a:extLst>
+          </p:cNvPr>
+          <p:cNvSpPr txBox="1"/>
+          <p:nvPr/>
+        </p:nvSpPr>
+        <p:spPr>
+          <a:xfrm>
+            <a:off x="7123216" y="795647"/>
+            <a:ext cx="4858509" cy="523220"/>
+          </a:xfrm>
+          <a:prstGeom prst="rect">
+            <a:avLst/>
+          </a:prstGeom>
+          <a:noFill/>
+        </p:spPr>
+        <p:txBody>
+          <a:bodyPr wrap="square" rtlCol="0">
+            <a:spAutoFit/>
+          </a:bodyPr>
+          <a:lstStyle/>
+          <a:p>
+            <a:pPr algn="ctr"/>
+            <a:r>
+              <a:rPr lang="en-US" sz="2800" b="1" dirty="0">
+                <a:solidFill>
+                  <a:schemeClr val="bg1"/>
+                </a:solidFill>
+              </a:rPr>
+              <a:t>PRODUCT AFFINITY ANALYSIS </a:t>
+            </a:r>
+            <a:endParaRPr lang="en-IN" sz="2800" b="1" dirty="0">
+              <a:solidFill>
+                <a:schemeClr val="bg1"/>
+              </a:solidFill>
+            </a:endParaRPr>
+          </a:p>
+        </p:txBody>
+      </p:sp>
       <p:pic>
         <p:nvPicPr>
-          <p:cNvPr id="3" name="Picture 2">
-            <a:extLst>
-              <a:ext uri="{FF2B5EF4-FFF2-40B4-BE49-F238E27FC236}">
-                <a16:creationId xmlns:a16="http://schemas.microsoft.com/office/drawing/2014/main" id="{879065CD-637C-E635-B516-E9AB0CD79237}"/>
+          <p:cNvPr id="10" name="Picture 9">
+            <a:extLst>
+              <a:ext uri="{FF2B5EF4-FFF2-40B4-BE49-F238E27FC236}">
+                <a16:creationId xmlns:a16="http://schemas.microsoft.com/office/drawing/2014/main" id="{587C8BCD-06D1-6D96-54F1-A7051EEFA8EB}"/>
               </a:ext>
             </a:extLst>
           </p:cNvPr>
@@ -7403,269 +8406,37 @@
         </p:blipFill>
         <p:spPr>
           <a:xfrm>
-            <a:off x="7347857" y="1442315"/>
-            <a:ext cx="4185575" cy="3973370"/>
+            <a:off x="0" y="1485406"/>
+            <a:ext cx="6096000" cy="4885706"/>
+          </a:xfrm>
+          <a:prstGeom prst="rect">
+            <a:avLst/>
+          </a:prstGeom>
+        </p:spPr>
+      </p:pic>
+      <p:sp>
+        <p:nvSpPr>
+          <p:cNvPr id="11" name="Rectangle 10">
+            <a:extLst>
+              <a:ext uri="{FF2B5EF4-FFF2-40B4-BE49-F238E27FC236}">
+                <a16:creationId xmlns:a16="http://schemas.microsoft.com/office/drawing/2014/main" id="{68D08EEB-072C-D1CE-D754-AAA4C145EC77}"/>
+              </a:ext>
+            </a:extLst>
+          </p:cNvPr>
+          <p:cNvSpPr/>
+          <p:nvPr/>
+        </p:nvSpPr>
+        <p:spPr>
+          <a:xfrm>
+            <a:off x="6362700" y="1415142"/>
+            <a:ext cx="76200" cy="4855028"/>
           </a:xfrm>
           <a:prstGeom prst="rect">
             <a:avLst/>
           </a:prstGeom>
           <a:solidFill>
-            <a:srgbClr val="FFFFFF">
-              <a:shade val="85000"/>
-            </a:srgbClr>
+            <a:schemeClr val="bg1"/>
           </a:solidFill>
-          <a:ln w="88900" cap="sq">
-            <a:solidFill>
-              <a:srgbClr val="FFFFFF"/>
-            </a:solidFill>
-            <a:miter lim="800000"/>
-          </a:ln>
-          <a:effectLst>
-            <a:outerShdw blurRad="55000" dist="18000" dir="5400000" algn="tl" rotWithShape="0">
-              <a:srgbClr val="000000">
-                <a:alpha val="40000"/>
-              </a:srgbClr>
-            </a:outerShdw>
-          </a:effectLst>
-          <a:scene3d>
-            <a:camera prst="orthographicFront"/>
-            <a:lightRig rig="twoPt" dir="t">
-              <a:rot lat="0" lon="0" rev="7200000"/>
-            </a:lightRig>
-          </a:scene3d>
-          <a:sp3d>
-            <a:bevelT w="25400" h="19050"/>
-            <a:contourClr>
-              <a:srgbClr val="FFFFFF"/>
-            </a:contourClr>
-          </a:sp3d>
-        </p:spPr>
-      </p:pic>
-      <p:sp>
-        <p:nvSpPr>
-          <p:cNvPr id="2" name="TextBox 1">
-            <a:extLst>
-              <a:ext uri="{FF2B5EF4-FFF2-40B4-BE49-F238E27FC236}">
-                <a16:creationId xmlns:a16="http://schemas.microsoft.com/office/drawing/2014/main" id="{B4C168F4-AD11-5F66-0B4F-6BF06A2FF105}"/>
-              </a:ext>
-            </a:extLst>
-          </p:cNvPr>
-          <p:cNvSpPr txBox="1"/>
-          <p:nvPr/>
-        </p:nvSpPr>
-        <p:spPr>
-          <a:xfrm>
-            <a:off x="533401" y="1536174"/>
-            <a:ext cx="6564086" cy="3785652"/>
-          </a:xfrm>
-          <a:prstGeom prst="rect">
-            <a:avLst/>
-          </a:prstGeom>
-          <a:noFill/>
-        </p:spPr>
-        <p:txBody>
-          <a:bodyPr wrap="square" rtlCol="0">
-            <a:spAutoFit/>
-          </a:bodyPr>
-          <a:lstStyle/>
-          <a:p>
-            <a:r>
-              <a:rPr lang="en-US" sz="2000" b="1" dirty="0">
-                <a:solidFill>
-                  <a:srgbClr val="F88E6D"/>
-                </a:solidFill>
-              </a:rPr>
-              <a:t>Most Recent </a:t>
-            </a:r>
-          </a:p>
-          <a:p>
-            <a:r>
-              <a:rPr lang="en-US" dirty="0">
-                <a:solidFill>
-                  <a:schemeClr val="bg1"/>
-                </a:solidFill>
-              </a:rPr>
-              <a:t>└── Avg Purchase Frequency, Low Monetary Value Customers </a:t>
-            </a:r>
-          </a:p>
-          <a:p>
-            <a:r>
-              <a:rPr lang="en-US" dirty="0">
-                <a:solidFill>
-                  <a:schemeClr val="bg1"/>
-                </a:solidFill>
-              </a:rPr>
-              <a:t>	&gt; Likely new customers who haven’t fully engaged yet</a:t>
-            </a:r>
-          </a:p>
-          <a:p>
-            <a:endParaRPr lang="en-US" dirty="0">
-              <a:solidFill>
-                <a:schemeClr val="bg1"/>
-              </a:solidFill>
-            </a:endParaRPr>
-          </a:p>
-          <a:p>
-            <a:r>
-              <a:rPr lang="en-US" sz="2000" b="1" dirty="0">
-                <a:solidFill>
-                  <a:srgbClr val="88CD86"/>
-                </a:solidFill>
-              </a:rPr>
-              <a:t>Recent</a:t>
-            </a:r>
-          </a:p>
-          <a:p>
-            <a:r>
-              <a:rPr lang="en-US" dirty="0">
-                <a:solidFill>
-                  <a:schemeClr val="bg1"/>
-                </a:solidFill>
-              </a:rPr>
-              <a:t>├── High Purchase Frequency, Low Monetary Value Customers</a:t>
-            </a:r>
-          </a:p>
-          <a:p>
-            <a:r>
-              <a:rPr lang="en-US" dirty="0">
-                <a:solidFill>
-                  <a:schemeClr val="bg1"/>
-                </a:solidFill>
-              </a:rPr>
-              <a:t>	&gt; Customers favor affordable or essential items </a:t>
-            </a:r>
-          </a:p>
-          <a:p>
-            <a:r>
-              <a:rPr lang="en-US" dirty="0">
-                <a:solidFill>
-                  <a:schemeClr val="bg1"/>
-                </a:solidFill>
-              </a:rPr>
-              <a:t> └── Avg Purchase Frequency, High Monetary Value Customers</a:t>
-            </a:r>
-          </a:p>
-          <a:p>
-            <a:r>
-              <a:rPr lang="en-US" dirty="0">
-                <a:solidFill>
-                  <a:schemeClr val="bg1"/>
-                </a:solidFill>
-              </a:rPr>
-              <a:t>	&gt; Premium customers preferring for higher-value products </a:t>
-            </a:r>
-          </a:p>
-          <a:p>
-            <a:endParaRPr lang="en-US" dirty="0">
-              <a:solidFill>
-                <a:schemeClr val="bg1"/>
-              </a:solidFill>
-            </a:endParaRPr>
-          </a:p>
-          <a:p>
-            <a:r>
-              <a:rPr lang="en-US" sz="2000" b="1" dirty="0">
-                <a:solidFill>
-                  <a:srgbClr val="FFE8A5"/>
-                </a:solidFill>
-              </a:rPr>
-              <a:t>Least Recent</a:t>
-            </a:r>
-          </a:p>
-          <a:p>
-            <a:r>
-              <a:rPr lang="en-US" dirty="0">
-                <a:solidFill>
-                  <a:schemeClr val="bg1"/>
-                </a:solidFill>
-              </a:rPr>
-              <a:t>└── Avg Purchase Frequency, Low Monetary Value Customers</a:t>
-            </a:r>
-          </a:p>
-          <a:p>
-            <a:r>
-              <a:rPr lang="en-US" dirty="0">
-                <a:solidFill>
-                  <a:schemeClr val="bg1"/>
-                </a:solidFill>
-              </a:rPr>
-              <a:t>	&gt; Inactive and disengaged customers</a:t>
-            </a:r>
-            <a:endParaRPr lang="en-IN" dirty="0">
-              <a:solidFill>
-                <a:schemeClr val="bg1"/>
-              </a:solidFill>
-            </a:endParaRPr>
-          </a:p>
-        </p:txBody>
-      </p:sp>
-      <p:sp>
-        <p:nvSpPr>
-          <p:cNvPr id="5" name="TextBox 4">
-            <a:extLst>
-              <a:ext uri="{FF2B5EF4-FFF2-40B4-BE49-F238E27FC236}">
-                <a16:creationId xmlns:a16="http://schemas.microsoft.com/office/drawing/2014/main" id="{5C5DB82C-AB31-A99A-93AD-7A8EA66148B2}"/>
-              </a:ext>
-            </a:extLst>
-          </p:cNvPr>
-          <p:cNvSpPr txBox="1"/>
-          <p:nvPr/>
-        </p:nvSpPr>
-        <p:spPr>
-          <a:xfrm>
-            <a:off x="3037114" y="274888"/>
-            <a:ext cx="5377543" cy="584775"/>
-          </a:xfrm>
-          <a:prstGeom prst="rect">
-            <a:avLst/>
-          </a:prstGeom>
-          <a:noFill/>
-        </p:spPr>
-        <p:txBody>
-          <a:bodyPr wrap="square" rtlCol="0">
-            <a:spAutoFit/>
-          </a:bodyPr>
-          <a:lstStyle/>
-          <a:p>
-            <a:pPr algn="ctr"/>
-            <a:r>
-              <a:rPr lang="en-US" sz="3200" b="1" dirty="0">
-                <a:solidFill>
-                  <a:schemeClr val="bg1"/>
-                </a:solidFill>
-                <a:latin typeface="Hanken Grotesk"/>
-              </a:rPr>
-              <a:t>CUSTOMER SEGMENTATION</a:t>
-            </a:r>
-          </a:p>
-        </p:txBody>
-      </p:sp>
-      <p:sp>
-        <p:nvSpPr>
-          <p:cNvPr id="6" name="Rectangle 5">
-            <a:extLst>
-              <a:ext uri="{FF2B5EF4-FFF2-40B4-BE49-F238E27FC236}">
-                <a16:creationId xmlns:a16="http://schemas.microsoft.com/office/drawing/2014/main" id="{821FD630-267C-2B46-3FEE-74B19AA55DA2}"/>
-              </a:ext>
-            </a:extLst>
-          </p:cNvPr>
-          <p:cNvSpPr/>
-          <p:nvPr/>
-        </p:nvSpPr>
-        <p:spPr>
-          <a:xfrm>
-            <a:off x="11189958" y="775863"/>
-            <a:ext cx="1002042" cy="609601"/>
-          </a:xfrm>
-          <a:prstGeom prst="rect">
-            <a:avLst/>
-          </a:prstGeom>
-          <a:solidFill>
-            <a:srgbClr val="0078A0"/>
-          </a:solidFill>
-          <a:ln>
-            <a:noFill/>
-          </a:ln>
         </p:spPr>
         <p:style>
           <a:lnRef idx="2">
@@ -7692,10 +8463,112 @@
           </a:p>
         </p:txBody>
       </p:sp>
+      <p:pic>
+        <p:nvPicPr>
+          <p:cNvPr id="17" name="Graphic 16" descr="Shopping basket">
+            <a:extLst>
+              <a:ext uri="{FF2B5EF4-FFF2-40B4-BE49-F238E27FC236}">
+                <a16:creationId xmlns:a16="http://schemas.microsoft.com/office/drawing/2014/main" id="{C3552C2F-C121-30C4-7B3A-CB71813DF9EF}"/>
+              </a:ext>
+            </a:extLst>
+          </p:cNvPr>
+          <p:cNvPicPr>
+            <a:picLocks noChangeAspect="1"/>
+          </p:cNvPicPr>
+          <p:nvPr/>
+        </p:nvPicPr>
+        <p:blipFill>
+          <a:blip r:embed="rId4">
+            <a:extLst>
+              <a:ext uri="{96DAC541-7B7A-43D3-8B79-37D633B846F1}">
+                <asvg:svgBlip xmlns:asvg="http://schemas.microsoft.com/office/drawing/2016/SVG/main" r:embed="rId5"/>
+              </a:ext>
+            </a:extLst>
+          </a:blip>
+          <a:stretch>
+            <a:fillRect/>
+          </a:stretch>
+        </p:blipFill>
+        <p:spPr>
+          <a:xfrm>
+            <a:off x="6483928" y="612922"/>
+            <a:ext cx="888670" cy="888670"/>
+          </a:xfrm>
+          <a:prstGeom prst="rect">
+            <a:avLst/>
+          </a:prstGeom>
+        </p:spPr>
+      </p:pic>
+      <p:pic>
+        <p:nvPicPr>
+          <p:cNvPr id="20" name="Graphic 19" descr="Signpost">
+            <a:extLst>
+              <a:ext uri="{FF2B5EF4-FFF2-40B4-BE49-F238E27FC236}">
+                <a16:creationId xmlns:a16="http://schemas.microsoft.com/office/drawing/2014/main" id="{EB5BF229-5DE9-2066-FF19-723F0918469C}"/>
+              </a:ext>
+            </a:extLst>
+          </p:cNvPr>
+          <p:cNvPicPr>
+            <a:picLocks noChangeAspect="1"/>
+          </p:cNvPicPr>
+          <p:nvPr/>
+        </p:nvPicPr>
+        <p:blipFill>
+          <a:blip r:embed="rId6">
+            <a:extLst>
+              <a:ext uri="{96DAC541-7B7A-43D3-8B79-37D633B846F1}">
+                <asvg:svgBlip xmlns:asvg="http://schemas.microsoft.com/office/drawing/2016/SVG/main" r:embed="rId7"/>
+              </a:ext>
+            </a:extLst>
+          </a:blip>
+          <a:stretch>
+            <a:fillRect/>
+          </a:stretch>
+        </p:blipFill>
+        <p:spPr>
+          <a:xfrm>
+            <a:off x="273132" y="659434"/>
+            <a:ext cx="795646" cy="795646"/>
+          </a:xfrm>
+          <a:prstGeom prst="rect">
+            <a:avLst/>
+          </a:prstGeom>
+        </p:spPr>
+      </p:pic>
+      <p:pic>
+        <p:nvPicPr>
+          <p:cNvPr id="22" name="Picture 21">
+            <a:extLst>
+              <a:ext uri="{FF2B5EF4-FFF2-40B4-BE49-F238E27FC236}">
+                <a16:creationId xmlns:a16="http://schemas.microsoft.com/office/drawing/2014/main" id="{05FBE4FE-0E93-AC75-E54A-625EDC3CA5DB}"/>
+              </a:ext>
+            </a:extLst>
+          </p:cNvPr>
+          <p:cNvPicPr>
+            <a:picLocks noChangeAspect="1"/>
+          </p:cNvPicPr>
+          <p:nvPr/>
+        </p:nvPicPr>
+        <p:blipFill>
+          <a:blip r:embed="rId8"/>
+          <a:stretch>
+            <a:fillRect/>
+          </a:stretch>
+        </p:blipFill>
+        <p:spPr>
+          <a:xfrm>
+            <a:off x="6805202" y="2258291"/>
+            <a:ext cx="4927620" cy="2341418"/>
+          </a:xfrm>
+          <a:prstGeom prst="rect">
+            <a:avLst/>
+          </a:prstGeom>
+        </p:spPr>
+      </p:pic>
     </p:spTree>
     <p:extLst>
       <p:ext uri="{BB962C8B-B14F-4D97-AF65-F5344CB8AC3E}">
-        <p14:creationId xmlns:p14="http://schemas.microsoft.com/office/powerpoint/2010/main" val="3918904756"/>
+        <p14:creationId xmlns:p14="http://schemas.microsoft.com/office/powerpoint/2010/main" val="1513068172"/>
       </p:ext>
     </p:extLst>
   </p:cSld>
@@ -7721,7 +8594,7 @@
         <p:cNvPr id="1" name="">
           <a:extLst>
             <a:ext uri="{FF2B5EF4-FFF2-40B4-BE49-F238E27FC236}">
-              <a16:creationId xmlns:a16="http://schemas.microsoft.com/office/drawing/2014/main" id="{AF379E36-DCF4-32E9-4339-14A81A7881DF}"/>
+              <a16:creationId xmlns:a16="http://schemas.microsoft.com/office/drawing/2014/main" id="{7233D68D-4D1F-1EAF-1482-0D760F9FC734}"/>
             </a:ext>
           </a:extLst>
         </p:cNvPr>
@@ -7741,7 +8614,7 @@
           <p:cNvPr id="9" name="Rectangle 8">
             <a:extLst>
               <a:ext uri="{FF2B5EF4-FFF2-40B4-BE49-F238E27FC236}">
-                <a16:creationId xmlns:a16="http://schemas.microsoft.com/office/drawing/2014/main" id="{3712B6C4-7AE4-BABC-A08C-F3A8711C257B}"/>
+                <a16:creationId xmlns:a16="http://schemas.microsoft.com/office/drawing/2014/main" id="{9D699088-DA09-B04C-703D-9AA58FE6A283}"/>
               </a:ext>
             </a:extLst>
           </p:cNvPr>
@@ -7818,56 +8691,12 @@
           </a:p>
         </p:txBody>
       </p:sp>
-      <p:sp>
-        <p:nvSpPr>
-          <p:cNvPr id="2" name="TextBox 1">
-            <a:extLst>
-              <a:ext uri="{FF2B5EF4-FFF2-40B4-BE49-F238E27FC236}">
-                <a16:creationId xmlns:a16="http://schemas.microsoft.com/office/drawing/2014/main" id="{4CA7793B-54F4-6CD4-0273-5F3A5EE956BE}"/>
-              </a:ext>
-            </a:extLst>
-          </p:cNvPr>
-          <p:cNvSpPr txBox="1"/>
-          <p:nvPr/>
-        </p:nvSpPr>
-        <p:spPr>
-          <a:xfrm>
-            <a:off x="1772353" y="544286"/>
-            <a:ext cx="3995058" cy="584775"/>
-          </a:xfrm>
-          <a:prstGeom prst="rect">
-            <a:avLst/>
-          </a:prstGeom>
-          <a:noFill/>
-        </p:spPr>
-        <p:txBody>
-          <a:bodyPr wrap="square" rtlCol="0">
-            <a:spAutoFit/>
-          </a:bodyPr>
-          <a:lstStyle/>
-          <a:p>
-            <a:r>
-              <a:rPr lang="en-US" sz="3200" b="1" dirty="0">
-                <a:solidFill>
-                  <a:schemeClr val="bg1"/>
-                </a:solidFill>
-              </a:rPr>
-              <a:t>RECOMMENDATIONS </a:t>
-            </a:r>
-            <a:endParaRPr lang="en-IN" sz="3200" b="1" dirty="0">
-              <a:solidFill>
-                <a:schemeClr val="bg1"/>
-              </a:solidFill>
-            </a:endParaRPr>
-          </a:p>
-        </p:txBody>
-      </p:sp>
       <p:pic>
         <p:nvPicPr>
-          <p:cNvPr id="5" name="Graphic 4" descr="Head with gears">
-            <a:extLst>
-              <a:ext uri="{FF2B5EF4-FFF2-40B4-BE49-F238E27FC236}">
-                <a16:creationId xmlns:a16="http://schemas.microsoft.com/office/drawing/2014/main" id="{95C30A51-DD44-983F-E075-A4EFCD3560D3}"/>
+          <p:cNvPr id="3" name="Picture 2">
+            <a:extLst>
+              <a:ext uri="{FF2B5EF4-FFF2-40B4-BE49-F238E27FC236}">
+                <a16:creationId xmlns:a16="http://schemas.microsoft.com/office/drawing/2014/main" id="{879065CD-637C-E635-B516-E9AB0CD79237}"/>
               </a:ext>
             </a:extLst>
           </p:cNvPr>
@@ -7879,8 +8708,8 @@
         <p:blipFill>
           <a:blip r:embed="rId3">
             <a:extLst>
-              <a:ext uri="{96DAC541-7B7A-43D3-8B79-37D633B846F1}">
-                <asvg:svgBlip xmlns:asvg="http://schemas.microsoft.com/office/drawing/2016/SVG/main" r:embed="rId4"/>
+              <a:ext uri="{28A0092B-C50C-407E-A947-70E740481C1C}">
+                <a14:useLocalDpi xmlns:a14="http://schemas.microsoft.com/office/drawing/2010/main" val="0"/>
               </a:ext>
             </a:extLst>
           </a:blip>
@@ -7889,21 +8718,51 @@
           </a:stretch>
         </p:blipFill>
         <p:spPr>
-          <a:xfrm rot="20311178">
-            <a:off x="1155282" y="497188"/>
-            <a:ext cx="678969" cy="678969"/>
+          <a:xfrm>
+            <a:off x="7347857" y="1442315"/>
+            <a:ext cx="4185575" cy="3973370"/>
           </a:xfrm>
           <a:prstGeom prst="rect">
             <a:avLst/>
           </a:prstGeom>
+          <a:solidFill>
+            <a:srgbClr val="FFFFFF">
+              <a:shade val="85000"/>
+            </a:srgbClr>
+          </a:solidFill>
+          <a:ln w="88900" cap="sq">
+            <a:solidFill>
+              <a:srgbClr val="FFFFFF"/>
+            </a:solidFill>
+            <a:miter lim="800000"/>
+          </a:ln>
+          <a:effectLst>
+            <a:outerShdw blurRad="55000" dist="18000" dir="5400000" algn="tl" rotWithShape="0">
+              <a:srgbClr val="000000">
+                <a:alpha val="40000"/>
+              </a:srgbClr>
+            </a:outerShdw>
+          </a:effectLst>
+          <a:scene3d>
+            <a:camera prst="orthographicFront"/>
+            <a:lightRig rig="twoPt" dir="t">
+              <a:rot lat="0" lon="0" rev="7200000"/>
+            </a:lightRig>
+          </a:scene3d>
+          <a:sp3d>
+            <a:bevelT w="25400" h="19050"/>
+            <a:contourClr>
+              <a:srgbClr val="FFFFFF"/>
+            </a:contourClr>
+          </a:sp3d>
         </p:spPr>
       </p:pic>
       <p:sp>
         <p:nvSpPr>
-          <p:cNvPr id="6" name="TextBox 5">
-            <a:extLst>
-              <a:ext uri="{FF2B5EF4-FFF2-40B4-BE49-F238E27FC236}">
-                <a16:creationId xmlns:a16="http://schemas.microsoft.com/office/drawing/2014/main" id="{7A95BDB0-F0ED-2109-521F-D0CE657216CC}"/>
+          <p:cNvPr id="2" name="TextBox 1">
+            <a:extLst>
+              <a:ext uri="{FF2B5EF4-FFF2-40B4-BE49-F238E27FC236}">
+                <a16:creationId xmlns:a16="http://schemas.microsoft.com/office/drawing/2014/main" id="{B4C168F4-AD11-5F66-0B4F-6BF06A2FF105}"/>
               </a:ext>
             </a:extLst>
           </p:cNvPr>
@@ -7912,8 +8771,8 @@
         </p:nvSpPr>
         <p:spPr>
           <a:xfrm>
-            <a:off x="1054548" y="1628287"/>
-            <a:ext cx="10082903" cy="4247317"/>
+            <a:off x="533401" y="1536174"/>
+            <a:ext cx="6564086" cy="3785652"/>
           </a:xfrm>
           <a:prstGeom prst="rect">
             <a:avLst/>
@@ -7926,132 +8785,183 @@
           </a:bodyPr>
           <a:lstStyle/>
           <a:p>
-            <a:pPr marL="285750" indent="-285750">
-              <a:buFont typeface="Wingdings" panose="05000000000000000000" pitchFamily="2" charset="2"/>
-              <a:buChar char="v"/>
-            </a:pPr>
+            <a:r>
+              <a:rPr lang="en-US" sz="2000" b="1" dirty="0">
+                <a:solidFill>
+                  <a:srgbClr val="F88E6D"/>
+                </a:solidFill>
+              </a:rPr>
+              <a:t>Most Recent </a:t>
+            </a:r>
+          </a:p>
+          <a:p>
             <a:r>
               <a:rPr lang="en-US" dirty="0">
+                <a:solidFill>
+                  <a:schemeClr val="bg1"/>
+                </a:solidFill>
+              </a:rPr>
+              <a:t>└── Avg Purchase Frequency, Low Monetary Value Customers </a:t>
+            </a:r>
+          </a:p>
+          <a:p>
+            <a:r>
+              <a:rPr lang="en-US" dirty="0">
+                <a:solidFill>
+                  <a:schemeClr val="bg1"/>
+                </a:solidFill>
+              </a:rPr>
+              <a:t>	&gt; Likely new customers who haven’t fully engaged yet</a:t>
+            </a:r>
+          </a:p>
+          <a:p>
+            <a:endParaRPr lang="en-US" dirty="0">
+              <a:solidFill>
+                <a:schemeClr val="bg1"/>
+              </a:solidFill>
+            </a:endParaRPr>
+          </a:p>
+          <a:p>
+            <a:r>
+              <a:rPr lang="en-US" sz="2000" b="1" dirty="0">
+                <a:solidFill>
+                  <a:srgbClr val="88CD86"/>
+                </a:solidFill>
+              </a:rPr>
+              <a:t>Recent</a:t>
+            </a:r>
+          </a:p>
+          <a:p>
+            <a:r>
+              <a:rPr lang="en-US" dirty="0">
+                <a:solidFill>
+                  <a:schemeClr val="bg1"/>
+                </a:solidFill>
+              </a:rPr>
+              <a:t>├── High Purchase Frequency, Low Monetary Value Customers</a:t>
+            </a:r>
+          </a:p>
+          <a:p>
+            <a:r>
+              <a:rPr lang="en-US" dirty="0">
+                <a:solidFill>
+                  <a:schemeClr val="bg1"/>
+                </a:solidFill>
+              </a:rPr>
+              <a:t>	&gt; Customers favor affordable or essential items </a:t>
+            </a:r>
+          </a:p>
+          <a:p>
+            <a:r>
+              <a:rPr lang="en-US" dirty="0">
+                <a:solidFill>
+                  <a:schemeClr val="bg1"/>
+                </a:solidFill>
+              </a:rPr>
+              <a:t> └── Avg Purchase Frequency, High Monetary Value Customers</a:t>
+            </a:r>
+          </a:p>
+          <a:p>
+            <a:r>
+              <a:rPr lang="en-US" dirty="0">
+                <a:solidFill>
+                  <a:schemeClr val="bg1"/>
+                </a:solidFill>
+              </a:rPr>
+              <a:t>	&gt; Premium customers preferring for higher-value products </a:t>
+            </a:r>
+          </a:p>
+          <a:p>
+            <a:endParaRPr lang="en-US" dirty="0">
+              <a:solidFill>
+                <a:schemeClr val="bg1"/>
+              </a:solidFill>
+            </a:endParaRPr>
+          </a:p>
+          <a:p>
+            <a:r>
+              <a:rPr lang="en-US" sz="2000" b="1" dirty="0">
+                <a:solidFill>
+                  <a:srgbClr val="FFE8A5"/>
+                </a:solidFill>
+              </a:rPr>
+              <a:t>Least Recent</a:t>
+            </a:r>
+          </a:p>
+          <a:p>
+            <a:r>
+              <a:rPr lang="en-US" dirty="0">
+                <a:solidFill>
+                  <a:schemeClr val="bg1"/>
+                </a:solidFill>
+              </a:rPr>
+              <a:t>└── Avg Purchase Frequency, Low Monetary Value Customers</a:t>
+            </a:r>
+          </a:p>
+          <a:p>
+            <a:r>
+              <a:rPr lang="en-US" dirty="0">
+                <a:solidFill>
+                  <a:schemeClr val="bg1"/>
+                </a:solidFill>
+              </a:rPr>
+              <a:t>	&gt; Inactive and disengaged customers</a:t>
+            </a:r>
+            <a:endParaRPr lang="en-IN" dirty="0">
+              <a:solidFill>
+                <a:schemeClr val="bg1"/>
+              </a:solidFill>
+            </a:endParaRPr>
+          </a:p>
+        </p:txBody>
+      </p:sp>
+      <p:sp>
+        <p:nvSpPr>
+          <p:cNvPr id="5" name="TextBox 4">
+            <a:extLst>
+              <a:ext uri="{FF2B5EF4-FFF2-40B4-BE49-F238E27FC236}">
+                <a16:creationId xmlns:a16="http://schemas.microsoft.com/office/drawing/2014/main" id="{5C5DB82C-AB31-A99A-93AD-7A8EA66148B2}"/>
+              </a:ext>
+            </a:extLst>
+          </p:cNvPr>
+          <p:cNvSpPr txBox="1"/>
+          <p:nvPr/>
+        </p:nvSpPr>
+        <p:spPr>
+          <a:xfrm>
+            <a:off x="3037114" y="274888"/>
+            <a:ext cx="5377543" cy="584775"/>
+          </a:xfrm>
+          <a:prstGeom prst="rect">
+            <a:avLst/>
+          </a:prstGeom>
+          <a:noFill/>
+        </p:spPr>
+        <p:txBody>
+          <a:bodyPr wrap="square" rtlCol="0">
+            <a:spAutoFit/>
+          </a:bodyPr>
+          <a:lstStyle/>
+          <a:p>
+            <a:pPr algn="ctr"/>
+            <a:r>
+              <a:rPr lang="en-US" sz="3200" b="1" dirty="0">
                 <a:solidFill>
                   <a:schemeClr val="bg1"/>
                 </a:solidFill>
                 <a:latin typeface="Hanken Grotesk"/>
               </a:rPr>
-              <a:t>Improve process management and enhance software automation to reduce orders in processing, shipped, or unavailable stages.</a:t>
-            </a:r>
-          </a:p>
-          <a:p>
-            <a:endParaRPr lang="en-US" dirty="0">
-              <a:solidFill>
-                <a:schemeClr val="bg1"/>
-              </a:solidFill>
-              <a:latin typeface="Hanken Grotesk"/>
-            </a:endParaRPr>
-          </a:p>
-          <a:p>
-            <a:pPr marL="285750" indent="-285750">
-              <a:buFont typeface="Wingdings" panose="05000000000000000000" pitchFamily="2" charset="2"/>
-              <a:buChar char="v"/>
-            </a:pPr>
-            <a:r>
-              <a:rPr lang="en-US" dirty="0">
-                <a:solidFill>
-                  <a:schemeClr val="bg1"/>
-                </a:solidFill>
-                <a:latin typeface="Hanken Grotesk"/>
-              </a:rPr>
-              <a:t>Update delivery estimation models with real-time data, conduct regular audits, reduce overly conservative buffers, and use automated notifications for better customer expectation management.</a:t>
-            </a:r>
-          </a:p>
-          <a:p>
-            <a:endParaRPr lang="en-US" dirty="0">
-              <a:solidFill>
-                <a:schemeClr val="bg1"/>
-              </a:solidFill>
-              <a:latin typeface="Hanken Grotesk"/>
-            </a:endParaRPr>
-          </a:p>
-          <a:p>
-            <a:pPr marL="285750" indent="-285750">
-              <a:buFont typeface="Wingdings" panose="05000000000000000000" pitchFamily="2" charset="2"/>
-              <a:buChar char="v"/>
-            </a:pPr>
-            <a:r>
-              <a:rPr lang="en-US" dirty="0">
-                <a:solidFill>
-                  <a:schemeClr val="bg1"/>
-                </a:solidFill>
-                <a:latin typeface="Hanken Grotesk"/>
-              </a:rPr>
-              <a:t>Partner with high-demand sellers, scale delivery infrastructure, explore local fulfilment options and use AI-driven routing to optimize logistics and reduce inter-regional delivery delays.</a:t>
-            </a:r>
-          </a:p>
-          <a:p>
-            <a:endParaRPr lang="en-US" dirty="0">
-              <a:solidFill>
-                <a:schemeClr val="bg1"/>
-              </a:solidFill>
-              <a:latin typeface="Hanken Grotesk"/>
-            </a:endParaRPr>
-          </a:p>
-          <a:p>
-            <a:pPr marL="285750" indent="-285750">
-              <a:buFont typeface="Wingdings" panose="05000000000000000000" pitchFamily="2" charset="2"/>
-              <a:buChar char="v"/>
-            </a:pPr>
-            <a:r>
-              <a:rPr lang="en-US" dirty="0">
-                <a:solidFill>
-                  <a:schemeClr val="bg1"/>
-                </a:solidFill>
-                <a:latin typeface="Hanken Grotesk"/>
-              </a:rPr>
-              <a:t>Implement customer retention strategies, such as loyalty programs and personalized follow-ups, to bring customers back and increase repeat purchases.</a:t>
-            </a:r>
-          </a:p>
-          <a:p>
-            <a:endParaRPr lang="en-US" dirty="0">
-              <a:solidFill>
-                <a:schemeClr val="bg1"/>
-              </a:solidFill>
-              <a:latin typeface="Hanken Grotesk"/>
-            </a:endParaRPr>
-          </a:p>
-          <a:p>
-            <a:pPr marL="285750" indent="-285750">
-              <a:buFont typeface="Wingdings" panose="05000000000000000000" pitchFamily="2" charset="2"/>
-              <a:buChar char="v"/>
-            </a:pPr>
-            <a:r>
-              <a:rPr lang="en-US" dirty="0">
-                <a:solidFill>
-                  <a:schemeClr val="bg1"/>
-                </a:solidFill>
-                <a:latin typeface="Hanken Grotesk"/>
-              </a:rPr>
-              <a:t>Use AI-driven product recommendations and promote low-demand product categories with discounts, bundles, or targeted ads, and offer exclusive rewards and discounts to incentivize higher spending.</a:t>
-            </a:r>
-          </a:p>
-          <a:p>
-            <a:pPr marL="285750" indent="-285750">
-              <a:buFont typeface="Wingdings" panose="05000000000000000000" pitchFamily="2" charset="2"/>
-              <a:buChar char="v"/>
-            </a:pPr>
-            <a:endParaRPr lang="en-IN" dirty="0">
-              <a:solidFill>
-                <a:schemeClr val="bg1"/>
-              </a:solidFill>
-              <a:latin typeface="Hanken Grotesk"/>
-            </a:endParaRPr>
-          </a:p>
-        </p:txBody>
-      </p:sp>
-      <p:sp>
-        <p:nvSpPr>
-          <p:cNvPr id="7" name="Rectangle 6">
-            <a:extLst>
-              <a:ext uri="{FF2B5EF4-FFF2-40B4-BE49-F238E27FC236}">
-                <a16:creationId xmlns:a16="http://schemas.microsoft.com/office/drawing/2014/main" id="{83319CF4-6A0E-B7DE-C160-57ED749FC285}"/>
+              <a:t>CUSTOMER SEGMENTATION</a:t>
+            </a:r>
+          </a:p>
+        </p:txBody>
+      </p:sp>
+      <p:sp>
+        <p:nvSpPr>
+          <p:cNvPr id="6" name="Rectangle 5">
+            <a:extLst>
+              <a:ext uri="{FF2B5EF4-FFF2-40B4-BE49-F238E27FC236}">
+                <a16:creationId xmlns:a16="http://schemas.microsoft.com/office/drawing/2014/main" id="{821FD630-267C-2B46-3FEE-74B19AA55DA2}"/>
               </a:ext>
             </a:extLst>
           </p:cNvPr>
@@ -8060,227 +8970,8 @@
         </p:nvSpPr>
         <p:spPr>
           <a:xfrm>
-            <a:off x="6096000" y="1"/>
-            <a:ext cx="685800" cy="1088570"/>
-          </a:xfrm>
-          <a:prstGeom prst="rect">
-            <a:avLst/>
-          </a:prstGeom>
-          <a:solidFill>
-            <a:srgbClr val="FFFF00"/>
-          </a:solidFill>
-          <a:ln>
-            <a:noFill/>
-          </a:ln>
-        </p:spPr>
-        <p:style>
-          <a:lnRef idx="3">
-            <a:schemeClr val="lt1"/>
-          </a:lnRef>
-          <a:fillRef idx="1">
-            <a:schemeClr val="accent4"/>
-          </a:fillRef>
-          <a:effectRef idx="1">
-            <a:schemeClr val="accent4"/>
-          </a:effectRef>
-          <a:fontRef idx="minor">
-            <a:schemeClr val="lt1"/>
-          </a:fontRef>
-        </p:style>
-        <p:txBody>
-          <a:bodyPr rtlCol="0" anchor="ctr"/>
-          <a:lstStyle/>
-          <a:p>
-            <a:pPr algn="ctr"/>
-            <a:endParaRPr lang="en-IN" dirty="0">
-              <a:highlight>
-                <a:srgbClr val="FFFF00"/>
-              </a:highlight>
-            </a:endParaRPr>
-          </a:p>
-        </p:txBody>
-      </p:sp>
-    </p:spTree>
-    <p:extLst>
-      <p:ext uri="{BB962C8B-B14F-4D97-AF65-F5344CB8AC3E}">
-        <p14:creationId xmlns:p14="http://schemas.microsoft.com/office/powerpoint/2010/main" val="3698865832"/>
-      </p:ext>
-    </p:extLst>
-  </p:cSld>
-  <p:clrMapOvr>
-    <a:masterClrMapping/>
-  </p:clrMapOvr>
-</p:sld>
-</file>
-
-<file path=ppt/slides/slide9.xml><?xml version="1.0" encoding="utf-8"?>
-<p:sld xmlns:a="http://schemas.openxmlformats.org/drawingml/2006/main" xmlns:r="http://schemas.openxmlformats.org/officeDocument/2006/relationships" xmlns:p="http://schemas.openxmlformats.org/presentationml/2006/main">
-  <p:cSld>
-    <p:bg>
-      <p:bgPr>
-        <a:solidFill>
-          <a:schemeClr val="bg1"/>
-        </a:solidFill>
-        <a:effectLst/>
-      </p:bgPr>
-    </p:bg>
-    <p:spTree>
-      <p:nvGrpSpPr>
-        <p:cNvPr id="1" name="">
-          <a:extLst>
-            <a:ext uri="{FF2B5EF4-FFF2-40B4-BE49-F238E27FC236}">
-              <a16:creationId xmlns:a16="http://schemas.microsoft.com/office/drawing/2014/main" id="{DFC8E876-5F71-79B0-2E25-6FEF0EE2F591}"/>
-            </a:ext>
-          </a:extLst>
-        </p:cNvPr>
-        <p:cNvGrpSpPr/>
-        <p:nvPr/>
-      </p:nvGrpSpPr>
-      <p:grpSpPr>
-        <a:xfrm>
-          <a:off x="0" y="0"/>
-          <a:ext cx="0" cy="0"/>
-          <a:chOff x="0" y="0"/>
-          <a:chExt cx="0" cy="0"/>
-        </a:xfrm>
-      </p:grpSpPr>
-      <p:pic>
-        <p:nvPicPr>
-          <p:cNvPr id="4" name="Picture 3">
-            <a:extLst>
-              <a:ext uri="{FF2B5EF4-FFF2-40B4-BE49-F238E27FC236}">
-                <a16:creationId xmlns:a16="http://schemas.microsoft.com/office/drawing/2014/main" id="{2230427A-2BBC-3623-37AA-1E04A145AD03}"/>
-              </a:ext>
-            </a:extLst>
-          </p:cNvPr>
-          <p:cNvPicPr>
-            <a:picLocks noChangeAspect="1"/>
-          </p:cNvPicPr>
-          <p:nvPr/>
-        </p:nvPicPr>
-        <p:blipFill>
-          <a:blip r:embed="rId3"/>
-          <a:stretch>
-            <a:fillRect/>
-          </a:stretch>
-        </p:blipFill>
-        <p:spPr>
-          <a:xfrm>
-            <a:off x="1088571" y="452994"/>
-            <a:ext cx="9575555" cy="5673573"/>
-          </a:xfrm>
-          <a:prstGeom prst="rect">
-            <a:avLst/>
-          </a:prstGeom>
-          <a:ln>
-            <a:solidFill>
-              <a:schemeClr val="bg1"/>
-            </a:solidFill>
-          </a:ln>
-          <a:effectLst>
-            <a:outerShdw dist="50800" sx="1000" sy="1000" algn="ctr" rotWithShape="0">
-              <a:schemeClr val="bg1"/>
-            </a:outerShdw>
-          </a:effectLst>
-        </p:spPr>
-      </p:pic>
-      <p:sp>
-        <p:nvSpPr>
-          <p:cNvPr id="5" name="TextBox 4">
-            <a:extLst>
-              <a:ext uri="{FF2B5EF4-FFF2-40B4-BE49-F238E27FC236}">
-                <a16:creationId xmlns:a16="http://schemas.microsoft.com/office/drawing/2014/main" id="{E174D0E7-30A6-510F-5969-52867D31B594}"/>
-              </a:ext>
-            </a:extLst>
-          </p:cNvPr>
-          <p:cNvSpPr txBox="1"/>
-          <p:nvPr/>
-        </p:nvSpPr>
-        <p:spPr>
-          <a:xfrm>
-            <a:off x="1534886" y="2841171"/>
-            <a:ext cx="9013371" cy="1426029"/>
-          </a:xfrm>
-          <a:prstGeom prst="rect">
-            <a:avLst/>
-          </a:prstGeom>
-          <a:solidFill>
-            <a:schemeClr val="bg1"/>
-          </a:solidFill>
-        </p:spPr>
-        <p:txBody>
-          <a:bodyPr wrap="square" rtlCol="0">
-            <a:spAutoFit/>
-          </a:bodyPr>
-          <a:lstStyle/>
-          <a:p>
-            <a:endParaRPr lang="en-IN" dirty="0"/>
-          </a:p>
-        </p:txBody>
-      </p:sp>
-      <p:sp>
-        <p:nvSpPr>
-          <p:cNvPr id="6" name="TextBox 5">
-            <a:extLst>
-              <a:ext uri="{FF2B5EF4-FFF2-40B4-BE49-F238E27FC236}">
-                <a16:creationId xmlns:a16="http://schemas.microsoft.com/office/drawing/2014/main" id="{5650F94A-6A5A-3DD8-700E-666541CEAE03}"/>
-              </a:ext>
-            </a:extLst>
-          </p:cNvPr>
-          <p:cNvSpPr txBox="1"/>
-          <p:nvPr/>
-        </p:nvSpPr>
-        <p:spPr>
-          <a:xfrm>
-            <a:off x="4038600" y="3048000"/>
-            <a:ext cx="4212771" cy="830997"/>
-          </a:xfrm>
-          <a:prstGeom prst="rect">
-            <a:avLst/>
-          </a:prstGeom>
-          <a:noFill/>
-        </p:spPr>
-        <p:txBody>
-          <a:bodyPr wrap="square" rtlCol="0">
-            <a:spAutoFit/>
-          </a:bodyPr>
-          <a:lstStyle/>
-          <a:p>
-            <a:pPr algn="ctr"/>
-            <a:r>
-              <a:rPr lang="en-US" sz="4800" b="1" dirty="0">
-                <a:solidFill>
-                  <a:srgbClr val="0041A0"/>
-                </a:solidFill>
-                <a:latin typeface="Hanken Grotesk"/>
-              </a:rPr>
-              <a:t>THANK YOU</a:t>
-            </a:r>
-            <a:endParaRPr lang="en-IN" sz="4800" b="1" dirty="0">
-              <a:solidFill>
-                <a:srgbClr val="0041A0"/>
-              </a:solidFill>
-              <a:latin typeface="Hanken Grotesk"/>
-            </a:endParaRPr>
-          </a:p>
-        </p:txBody>
-      </p:sp>
-      <p:sp>
-        <p:nvSpPr>
-          <p:cNvPr id="7" name="Rectangle 6">
-            <a:extLst>
-              <a:ext uri="{FF2B5EF4-FFF2-40B4-BE49-F238E27FC236}">
-                <a16:creationId xmlns:a16="http://schemas.microsoft.com/office/drawing/2014/main" id="{70F40107-B009-BA25-AC55-0A5ECF940D17}"/>
-              </a:ext>
-            </a:extLst>
-          </p:cNvPr>
-          <p:cNvSpPr/>
-          <p:nvPr/>
-        </p:nvSpPr>
-        <p:spPr>
-          <a:xfrm rot="5400000">
-            <a:off x="10891157" y="4207884"/>
-            <a:ext cx="1338944" cy="1262744"/>
+            <a:off x="11189958" y="775863"/>
+            <a:ext cx="1002042" cy="609601"/>
           </a:xfrm>
           <a:prstGeom prst="rect">
             <a:avLst/>
@@ -8317,12 +9008,92 @@
           </a:p>
         </p:txBody>
       </p:sp>
-      <p:sp>
-        <p:nvSpPr>
-          <p:cNvPr id="8" name="Rectangle 7">
-            <a:extLst>
-              <a:ext uri="{FF2B5EF4-FFF2-40B4-BE49-F238E27FC236}">
-                <a16:creationId xmlns:a16="http://schemas.microsoft.com/office/drawing/2014/main" id="{24D6F627-FE28-15EE-6A8B-6C1F5D6104BD}"/>
+      <p:pic>
+        <p:nvPicPr>
+          <p:cNvPr id="7" name="Graphic 6" descr="Group of people">
+            <a:extLst>
+              <a:ext uri="{FF2B5EF4-FFF2-40B4-BE49-F238E27FC236}">
+                <a16:creationId xmlns:a16="http://schemas.microsoft.com/office/drawing/2014/main" id="{D1B796D4-FD80-5F7B-CB3E-DCB0EF3846E1}"/>
+              </a:ext>
+            </a:extLst>
+          </p:cNvPr>
+          <p:cNvPicPr>
+            <a:picLocks noChangeAspect="1"/>
+          </p:cNvPicPr>
+          <p:nvPr/>
+        </p:nvPicPr>
+        <p:blipFill>
+          <a:blip r:embed="rId4">
+            <a:extLst>
+              <a:ext uri="{96DAC541-7B7A-43D3-8B79-37D633B846F1}">
+                <asvg:svgBlip xmlns:asvg="http://schemas.microsoft.com/office/drawing/2016/SVG/main" r:embed="rId5"/>
+              </a:ext>
+            </a:extLst>
+          </a:blip>
+          <a:stretch>
+            <a:fillRect/>
+          </a:stretch>
+        </p:blipFill>
+        <p:spPr>
+          <a:xfrm>
+            <a:off x="2646218" y="181327"/>
+            <a:ext cx="781792" cy="781792"/>
+          </a:xfrm>
+          <a:prstGeom prst="rect">
+            <a:avLst/>
+          </a:prstGeom>
+        </p:spPr>
+      </p:pic>
+    </p:spTree>
+    <p:extLst>
+      <p:ext uri="{BB962C8B-B14F-4D97-AF65-F5344CB8AC3E}">
+        <p14:creationId xmlns:p14="http://schemas.microsoft.com/office/powerpoint/2010/main" val="3918904756"/>
+      </p:ext>
+    </p:extLst>
+  </p:cSld>
+  <p:clrMapOvr>
+    <a:masterClrMapping/>
+  </p:clrMapOvr>
+</p:sld>
+</file>
+
+<file path=ppt/slides/slide9.xml><?xml version="1.0" encoding="utf-8"?>
+<p:sld xmlns:a="http://schemas.openxmlformats.org/drawingml/2006/main" xmlns:r="http://schemas.openxmlformats.org/officeDocument/2006/relationships" xmlns:p="http://schemas.openxmlformats.org/presentationml/2006/main">
+  <p:cSld>
+    <p:bg>
+      <p:bgPr>
+        <a:solidFill>
+          <a:srgbClr val="0041A0"/>
+        </a:solidFill>
+        <a:effectLst/>
+      </p:bgPr>
+    </p:bg>
+    <p:spTree>
+      <p:nvGrpSpPr>
+        <p:cNvPr id="1" name="">
+          <a:extLst>
+            <a:ext uri="{FF2B5EF4-FFF2-40B4-BE49-F238E27FC236}">
+              <a16:creationId xmlns:a16="http://schemas.microsoft.com/office/drawing/2014/main" id="{AF379E36-DCF4-32E9-4339-14A81A7881DF}"/>
+            </a:ext>
+          </a:extLst>
+        </p:cNvPr>
+        <p:cNvGrpSpPr/>
+        <p:nvPr/>
+      </p:nvGrpSpPr>
+      <p:grpSpPr>
+        <a:xfrm>
+          <a:off x="0" y="0"/>
+          <a:ext cx="0" cy="0"/>
+          <a:chOff x="0" y="0"/>
+          <a:chExt cx="0" cy="0"/>
+        </a:xfrm>
+      </p:grpSpPr>
+      <p:sp>
+        <p:nvSpPr>
+          <p:cNvPr id="9" name="Rectangle 8">
+            <a:extLst>
+              <a:ext uri="{FF2B5EF4-FFF2-40B4-BE49-F238E27FC236}">
+                <a16:creationId xmlns:a16="http://schemas.microsoft.com/office/drawing/2014/main" id="{3712B6C4-7AE4-BABC-A08C-F3A8711C257B}"/>
               </a:ext>
             </a:extLst>
           </p:cNvPr>
@@ -8330,9 +9101,9 @@
           <p:nvPr/>
         </p:nvSpPr>
         <p:spPr>
-          <a:xfrm>
-            <a:off x="11506200" y="2830841"/>
-            <a:ext cx="685800" cy="1338943"/>
+          <a:xfrm rot="16200000">
+            <a:off x="10907503" y="5894614"/>
+            <a:ext cx="587829" cy="1338943"/>
           </a:xfrm>
           <a:prstGeom prst="rect">
             <a:avLst/>
@@ -8362,21 +9133,277 @@
           <a:bodyPr rtlCol="0" anchor="ctr"/>
           <a:lstStyle/>
           <a:p>
-            <a:pPr algn="ctr"/>
-            <a:endParaRPr lang="en-IN" dirty="0">
+            <a:pPr marL="0" marR="0" lvl="0" indent="0" algn="ctr" defTabSz="914400" rtl="0" eaLnBrk="1" fontAlgn="auto" latinLnBrk="0" hangingPunct="1">
+              <a:lnSpc>
+                <a:spcPct val="100000"/>
+              </a:lnSpc>
+              <a:spcBef>
+                <a:spcPts val="0"/>
+              </a:spcBef>
+              <a:spcAft>
+                <a:spcPts val="0"/>
+              </a:spcAft>
+              <a:buClrTx/>
+              <a:buSzTx/>
+              <a:buFontTx/>
+              <a:buNone/>
+              <a:tabLst/>
+              <a:defRPr/>
+            </a:pPr>
+            <a:endParaRPr kumimoji="0" lang="en-IN" sz="1800" b="0" i="0" u="none" strike="noStrike" kern="1200" cap="none" spc="0" normalizeH="0" baseline="0" noProof="0" dirty="0">
+              <a:ln>
+                <a:noFill/>
+              </a:ln>
+              <a:solidFill>
+                <a:prstClr val="white"/>
+              </a:solidFill>
+              <a:effectLst/>
               <a:highlight>
                 <a:srgbClr val="FFFF00"/>
               </a:highlight>
+              <a:uLnTx/>
+              <a:uFillTx/>
+              <a:latin typeface="Calibri" panose="020F0502020204030204"/>
+              <a:ea typeface="+mn-ea"/>
+              <a:cs typeface="+mn-cs"/>
             </a:endParaRPr>
           </a:p>
         </p:txBody>
       </p:sp>
       <p:sp>
         <p:nvSpPr>
-          <p:cNvPr id="10" name="Rectangle 9">
-            <a:extLst>
-              <a:ext uri="{FF2B5EF4-FFF2-40B4-BE49-F238E27FC236}">
-                <a16:creationId xmlns:a16="http://schemas.microsoft.com/office/drawing/2014/main" id="{FA04CE57-A5D8-8EB0-B5E0-BC8C1AB3383D}"/>
+          <p:cNvPr id="2" name="TextBox 1">
+            <a:extLst>
+              <a:ext uri="{FF2B5EF4-FFF2-40B4-BE49-F238E27FC236}">
+                <a16:creationId xmlns:a16="http://schemas.microsoft.com/office/drawing/2014/main" id="{4CA7793B-54F4-6CD4-0273-5F3A5EE956BE}"/>
+              </a:ext>
+            </a:extLst>
+          </p:cNvPr>
+          <p:cNvSpPr txBox="1"/>
+          <p:nvPr/>
+        </p:nvSpPr>
+        <p:spPr>
+          <a:xfrm>
+            <a:off x="1772353" y="544286"/>
+            <a:ext cx="3995058" cy="584775"/>
+          </a:xfrm>
+          <a:prstGeom prst="rect">
+            <a:avLst/>
+          </a:prstGeom>
+          <a:noFill/>
+        </p:spPr>
+        <p:txBody>
+          <a:bodyPr wrap="square" rtlCol="0">
+            <a:spAutoFit/>
+          </a:bodyPr>
+          <a:lstStyle/>
+          <a:p>
+            <a:r>
+              <a:rPr lang="en-US" sz="3200" b="1" dirty="0">
+                <a:solidFill>
+                  <a:schemeClr val="bg1"/>
+                </a:solidFill>
+              </a:rPr>
+              <a:t>RECOMMENDATIONS </a:t>
+            </a:r>
+            <a:endParaRPr lang="en-IN" sz="3200" b="1" dirty="0">
+              <a:solidFill>
+                <a:schemeClr val="bg1"/>
+              </a:solidFill>
+            </a:endParaRPr>
+          </a:p>
+        </p:txBody>
+      </p:sp>
+      <p:pic>
+        <p:nvPicPr>
+          <p:cNvPr id="5" name="Graphic 4" descr="Head with gears">
+            <a:extLst>
+              <a:ext uri="{FF2B5EF4-FFF2-40B4-BE49-F238E27FC236}">
+                <a16:creationId xmlns:a16="http://schemas.microsoft.com/office/drawing/2014/main" id="{95C30A51-DD44-983F-E075-A4EFCD3560D3}"/>
+              </a:ext>
+            </a:extLst>
+          </p:cNvPr>
+          <p:cNvPicPr>
+            <a:picLocks noChangeAspect="1"/>
+          </p:cNvPicPr>
+          <p:nvPr/>
+        </p:nvPicPr>
+        <p:blipFill>
+          <a:blip r:embed="rId3">
+            <a:extLst>
+              <a:ext uri="{96DAC541-7B7A-43D3-8B79-37D633B846F1}">
+                <asvg:svgBlip xmlns:asvg="http://schemas.microsoft.com/office/drawing/2016/SVG/main" r:embed="rId4"/>
+              </a:ext>
+            </a:extLst>
+          </a:blip>
+          <a:stretch>
+            <a:fillRect/>
+          </a:stretch>
+        </p:blipFill>
+        <p:spPr>
+          <a:xfrm rot="20311178">
+            <a:off x="1155282" y="497188"/>
+            <a:ext cx="678969" cy="678969"/>
+          </a:xfrm>
+          <a:prstGeom prst="rect">
+            <a:avLst/>
+          </a:prstGeom>
+        </p:spPr>
+      </p:pic>
+      <p:sp>
+        <p:nvSpPr>
+          <p:cNvPr id="6" name="TextBox 5">
+            <a:extLst>
+              <a:ext uri="{FF2B5EF4-FFF2-40B4-BE49-F238E27FC236}">
+                <a16:creationId xmlns:a16="http://schemas.microsoft.com/office/drawing/2014/main" id="{7A95BDB0-F0ED-2109-521F-D0CE657216CC}"/>
+              </a:ext>
+            </a:extLst>
+          </p:cNvPr>
+          <p:cNvSpPr txBox="1"/>
+          <p:nvPr/>
+        </p:nvSpPr>
+        <p:spPr>
+          <a:xfrm>
+            <a:off x="1054548" y="1628287"/>
+            <a:ext cx="10082903" cy="4247317"/>
+          </a:xfrm>
+          <a:prstGeom prst="rect">
+            <a:avLst/>
+          </a:prstGeom>
+          <a:noFill/>
+        </p:spPr>
+        <p:txBody>
+          <a:bodyPr wrap="square" rtlCol="0">
+            <a:spAutoFit/>
+          </a:bodyPr>
+          <a:lstStyle/>
+          <a:p>
+            <a:pPr marL="285750" indent="-285750">
+              <a:buFont typeface="Wingdings" panose="05000000000000000000" pitchFamily="2" charset="2"/>
+              <a:buChar char="v"/>
+            </a:pPr>
+            <a:r>
+              <a:rPr lang="en-US" dirty="0">
+                <a:solidFill>
+                  <a:schemeClr val="bg1"/>
+                </a:solidFill>
+                <a:latin typeface="Hanken Grotesk"/>
+              </a:rPr>
+              <a:t>Improve process management and enhance software automation to reduce orders in processing, shipped, or unavailable stages.</a:t>
+            </a:r>
+          </a:p>
+          <a:p>
+            <a:endParaRPr lang="en-US" dirty="0">
+              <a:solidFill>
+                <a:schemeClr val="bg1"/>
+              </a:solidFill>
+              <a:latin typeface="Hanken Grotesk"/>
+            </a:endParaRPr>
+          </a:p>
+          <a:p>
+            <a:pPr marL="285750" indent="-285750">
+              <a:buFont typeface="Wingdings" panose="05000000000000000000" pitchFamily="2" charset="2"/>
+              <a:buChar char="v"/>
+            </a:pPr>
+            <a:r>
+              <a:rPr lang="en-US" dirty="0">
+                <a:solidFill>
+                  <a:schemeClr val="bg1"/>
+                </a:solidFill>
+                <a:latin typeface="Hanken Grotesk"/>
+              </a:rPr>
+              <a:t>Update delivery estimation models with real-time data, conduct regular audits, reduce overly conservative buffers, and use automated notifications for better customer expectation management.</a:t>
+            </a:r>
+          </a:p>
+          <a:p>
+            <a:endParaRPr lang="en-US" dirty="0">
+              <a:solidFill>
+                <a:schemeClr val="bg1"/>
+              </a:solidFill>
+              <a:latin typeface="Hanken Grotesk"/>
+            </a:endParaRPr>
+          </a:p>
+          <a:p>
+            <a:pPr marL="285750" indent="-285750">
+              <a:buFont typeface="Wingdings" panose="05000000000000000000" pitchFamily="2" charset="2"/>
+              <a:buChar char="v"/>
+            </a:pPr>
+            <a:r>
+              <a:rPr lang="en-US" dirty="0">
+                <a:solidFill>
+                  <a:schemeClr val="bg1"/>
+                </a:solidFill>
+                <a:latin typeface="Hanken Grotesk"/>
+              </a:rPr>
+              <a:t>Partner with high-demand sellers, scale delivery infrastructure, explore local fulfilment options and use AI-driven routing to optimize logistics and reduce inter-regional delivery delays.</a:t>
+            </a:r>
+          </a:p>
+          <a:p>
+            <a:endParaRPr lang="en-US" dirty="0">
+              <a:solidFill>
+                <a:schemeClr val="bg1"/>
+              </a:solidFill>
+              <a:latin typeface="Hanken Grotesk"/>
+            </a:endParaRPr>
+          </a:p>
+          <a:p>
+            <a:pPr marL="285750" indent="-285750">
+              <a:buFont typeface="Wingdings" panose="05000000000000000000" pitchFamily="2" charset="2"/>
+              <a:buChar char="v"/>
+            </a:pPr>
+            <a:r>
+              <a:rPr lang="en-US" dirty="0">
+                <a:solidFill>
+                  <a:schemeClr val="bg1"/>
+                </a:solidFill>
+                <a:latin typeface="Hanken Grotesk"/>
+              </a:rPr>
+              <a:t>Implement customer retention strategies, such as loyalty programs and personalized follow-ups, to bring customers back and increase repeat purchases.</a:t>
+            </a:r>
+          </a:p>
+          <a:p>
+            <a:endParaRPr lang="en-US" dirty="0">
+              <a:solidFill>
+                <a:schemeClr val="bg1"/>
+              </a:solidFill>
+              <a:latin typeface="Hanken Grotesk"/>
+            </a:endParaRPr>
+          </a:p>
+          <a:p>
+            <a:pPr marL="285750" indent="-285750">
+              <a:buFont typeface="Wingdings" panose="05000000000000000000" pitchFamily="2" charset="2"/>
+              <a:buChar char="v"/>
+            </a:pPr>
+            <a:r>
+              <a:rPr lang="en-US" dirty="0">
+                <a:solidFill>
+                  <a:schemeClr val="bg1"/>
+                </a:solidFill>
+                <a:latin typeface="Hanken Grotesk"/>
+              </a:rPr>
+              <a:t>Use AI-driven product recommendations and promote low-demand product categories with discounts, bundles, or targeted ads, and offer exclusive rewards and discounts to incentivize higher spending.</a:t>
+            </a:r>
+          </a:p>
+          <a:p>
+            <a:pPr marL="285750" indent="-285750">
+              <a:buFont typeface="Wingdings" panose="05000000000000000000" pitchFamily="2" charset="2"/>
+              <a:buChar char="v"/>
+            </a:pPr>
+            <a:endParaRPr lang="en-IN" dirty="0">
+              <a:solidFill>
+                <a:schemeClr val="bg1"/>
+              </a:solidFill>
+              <a:latin typeface="Hanken Grotesk"/>
+            </a:endParaRPr>
+          </a:p>
+        </p:txBody>
+      </p:sp>
+      <p:sp>
+        <p:nvSpPr>
+          <p:cNvPr id="7" name="Rectangle 6">
+            <a:extLst>
+              <a:ext uri="{FF2B5EF4-FFF2-40B4-BE49-F238E27FC236}">
+                <a16:creationId xmlns:a16="http://schemas.microsoft.com/office/drawing/2014/main" id="{83319CF4-6A0E-B7DE-C160-57ED749FC285}"/>
               </a:ext>
             </a:extLst>
           </p:cNvPr>
@@ -8385,8 +9412,8 @@
         </p:nvSpPr>
         <p:spPr>
           <a:xfrm>
-            <a:off x="10243457" y="5508728"/>
-            <a:ext cx="685800" cy="731433"/>
+            <a:off x="6096000" y="1"/>
+            <a:ext cx="685800" cy="1088570"/>
           </a:xfrm>
           <a:prstGeom prst="rect">
             <a:avLst/>
@@ -8425,434 +9452,10 @@
           </a:p>
         </p:txBody>
       </p:sp>
-      <p:sp>
-        <p:nvSpPr>
-          <p:cNvPr id="11" name="Rectangle 10">
-            <a:extLst>
-              <a:ext uri="{FF2B5EF4-FFF2-40B4-BE49-F238E27FC236}">
-                <a16:creationId xmlns:a16="http://schemas.microsoft.com/office/drawing/2014/main" id="{C6998EE1-76C7-B981-4E2B-C2E126A686E9}"/>
-              </a:ext>
-            </a:extLst>
-          </p:cNvPr>
-          <p:cNvSpPr/>
-          <p:nvPr/>
-        </p:nvSpPr>
-        <p:spPr>
-          <a:xfrm rot="5400000">
-            <a:off x="10925137" y="6244281"/>
-            <a:ext cx="617840" cy="609601"/>
-          </a:xfrm>
-          <a:prstGeom prst="rect">
-            <a:avLst/>
-          </a:prstGeom>
-          <a:solidFill>
-            <a:srgbClr val="0078A0"/>
-          </a:solidFill>
-          <a:ln>
-            <a:noFill/>
-          </a:ln>
-        </p:spPr>
-        <p:style>
-          <a:lnRef idx="2">
-            <a:schemeClr val="accent1">
-              <a:shade val="15000"/>
-            </a:schemeClr>
-          </a:lnRef>
-          <a:fillRef idx="1">
-            <a:schemeClr val="accent1"/>
-          </a:fillRef>
-          <a:effectRef idx="0">
-            <a:schemeClr val="accent1"/>
-          </a:effectRef>
-          <a:fontRef idx="minor">
-            <a:schemeClr val="lt1"/>
-          </a:fontRef>
-        </p:style>
-        <p:txBody>
-          <a:bodyPr rtlCol="0" anchor="ctr"/>
-          <a:lstStyle/>
-          <a:p>
-            <a:pPr algn="ctr"/>
-            <a:endParaRPr lang="en-IN"/>
-          </a:p>
-        </p:txBody>
-      </p:sp>
-      <p:sp>
-        <p:nvSpPr>
-          <p:cNvPr id="12" name="Rectangle 11">
-            <a:extLst>
-              <a:ext uri="{FF2B5EF4-FFF2-40B4-BE49-F238E27FC236}">
-                <a16:creationId xmlns:a16="http://schemas.microsoft.com/office/drawing/2014/main" id="{109963C3-169C-4412-D0A3-31E45ED87856}"/>
-              </a:ext>
-            </a:extLst>
-          </p:cNvPr>
-          <p:cNvSpPr/>
-          <p:nvPr/>
-        </p:nvSpPr>
-        <p:spPr>
-          <a:xfrm rot="5400000">
-            <a:off x="398218" y="333215"/>
-            <a:ext cx="731435" cy="1527874"/>
-          </a:xfrm>
-          <a:prstGeom prst="rect">
-            <a:avLst/>
-          </a:prstGeom>
-          <a:solidFill>
-            <a:srgbClr val="0078A0"/>
-          </a:solidFill>
-          <a:ln>
-            <a:noFill/>
-          </a:ln>
-        </p:spPr>
-        <p:style>
-          <a:lnRef idx="2">
-            <a:schemeClr val="accent1">
-              <a:shade val="15000"/>
-            </a:schemeClr>
-          </a:lnRef>
-          <a:fillRef idx="1">
-            <a:schemeClr val="accent1"/>
-          </a:fillRef>
-          <a:effectRef idx="0">
-            <a:schemeClr val="accent1"/>
-          </a:effectRef>
-          <a:fontRef idx="minor">
-            <a:schemeClr val="lt1"/>
-          </a:fontRef>
-        </p:style>
-        <p:txBody>
-          <a:bodyPr rtlCol="0" anchor="ctr"/>
-          <a:lstStyle/>
-          <a:p>
-            <a:pPr algn="ctr"/>
-            <a:endParaRPr lang="en-IN"/>
-          </a:p>
-        </p:txBody>
-      </p:sp>
-      <p:sp>
-        <p:nvSpPr>
-          <p:cNvPr id="13" name="Rectangle 12">
-            <a:extLst>
-              <a:ext uri="{FF2B5EF4-FFF2-40B4-BE49-F238E27FC236}">
-                <a16:creationId xmlns:a16="http://schemas.microsoft.com/office/drawing/2014/main" id="{C0D3185B-F3EC-4784-93AD-5FFE44111C4B}"/>
-              </a:ext>
-            </a:extLst>
-          </p:cNvPr>
-          <p:cNvSpPr/>
-          <p:nvPr/>
-        </p:nvSpPr>
-        <p:spPr>
-          <a:xfrm>
-            <a:off x="0" y="-15281"/>
-            <a:ext cx="685800" cy="731433"/>
-          </a:xfrm>
-          <a:prstGeom prst="rect">
-            <a:avLst/>
-          </a:prstGeom>
-          <a:solidFill>
-            <a:srgbClr val="FFFF00"/>
-          </a:solidFill>
-          <a:ln>
-            <a:noFill/>
-          </a:ln>
-        </p:spPr>
-        <p:style>
-          <a:lnRef idx="3">
-            <a:schemeClr val="lt1"/>
-          </a:lnRef>
-          <a:fillRef idx="1">
-            <a:schemeClr val="accent4"/>
-          </a:fillRef>
-          <a:effectRef idx="1">
-            <a:schemeClr val="accent4"/>
-          </a:effectRef>
-          <a:fontRef idx="minor">
-            <a:schemeClr val="lt1"/>
-          </a:fontRef>
-        </p:style>
-        <p:txBody>
-          <a:bodyPr rtlCol="0" anchor="ctr"/>
-          <a:lstStyle/>
-          <a:p>
-            <a:pPr algn="ctr"/>
-            <a:endParaRPr lang="en-IN" dirty="0">
-              <a:highlight>
-                <a:srgbClr val="FFFF00"/>
-              </a:highlight>
-            </a:endParaRPr>
-          </a:p>
-        </p:txBody>
-      </p:sp>
-      <p:sp>
-        <p:nvSpPr>
-          <p:cNvPr id="14" name="Rectangle 13">
-            <a:extLst>
-              <a:ext uri="{FF2B5EF4-FFF2-40B4-BE49-F238E27FC236}">
-                <a16:creationId xmlns:a16="http://schemas.microsoft.com/office/drawing/2014/main" id="{110B83FB-3764-6C92-91F2-374CEE23AE0F}"/>
-              </a:ext>
-            </a:extLst>
-          </p:cNvPr>
-          <p:cNvSpPr/>
-          <p:nvPr/>
-        </p:nvSpPr>
-        <p:spPr>
-          <a:xfrm>
-            <a:off x="1527873" y="1462870"/>
-            <a:ext cx="583956" cy="550987"/>
-          </a:xfrm>
-          <a:prstGeom prst="rect">
-            <a:avLst/>
-          </a:prstGeom>
-          <a:solidFill>
-            <a:srgbClr val="FFFF00"/>
-          </a:solidFill>
-          <a:ln>
-            <a:noFill/>
-          </a:ln>
-        </p:spPr>
-        <p:style>
-          <a:lnRef idx="3">
-            <a:schemeClr val="lt1"/>
-          </a:lnRef>
-          <a:fillRef idx="1">
-            <a:schemeClr val="accent4"/>
-          </a:fillRef>
-          <a:effectRef idx="1">
-            <a:schemeClr val="accent4"/>
-          </a:effectRef>
-          <a:fontRef idx="minor">
-            <a:schemeClr val="lt1"/>
-          </a:fontRef>
-        </p:style>
-        <p:txBody>
-          <a:bodyPr rtlCol="0" anchor="ctr"/>
-          <a:lstStyle/>
-          <a:p>
-            <a:pPr algn="ctr"/>
-            <a:endParaRPr lang="en-IN" dirty="0">
-              <a:highlight>
-                <a:srgbClr val="FFFF00"/>
-              </a:highlight>
-            </a:endParaRPr>
-          </a:p>
-        </p:txBody>
-      </p:sp>
-      <p:sp>
-        <p:nvSpPr>
-          <p:cNvPr id="15" name="Rectangle 14">
-            <a:extLst>
-              <a:ext uri="{FF2B5EF4-FFF2-40B4-BE49-F238E27FC236}">
-                <a16:creationId xmlns:a16="http://schemas.microsoft.com/office/drawing/2014/main" id="{971D1712-BF6D-6916-9CBC-57FA9F9B8B90}"/>
-              </a:ext>
-            </a:extLst>
-          </p:cNvPr>
-          <p:cNvSpPr/>
-          <p:nvPr/>
-        </p:nvSpPr>
-        <p:spPr>
-          <a:xfrm rot="5400000">
-            <a:off x="-46032" y="6286190"/>
-            <a:ext cx="617841" cy="525782"/>
-          </a:xfrm>
-          <a:prstGeom prst="rect">
-            <a:avLst/>
-          </a:prstGeom>
-          <a:solidFill>
-            <a:srgbClr val="0078A0"/>
-          </a:solidFill>
-          <a:ln>
-            <a:noFill/>
-          </a:ln>
-        </p:spPr>
-        <p:style>
-          <a:lnRef idx="2">
-            <a:schemeClr val="accent1">
-              <a:shade val="15000"/>
-            </a:schemeClr>
-          </a:lnRef>
-          <a:fillRef idx="1">
-            <a:schemeClr val="accent1"/>
-          </a:fillRef>
-          <a:effectRef idx="0">
-            <a:schemeClr val="accent1"/>
-          </a:effectRef>
-          <a:fontRef idx="minor">
-            <a:schemeClr val="lt1"/>
-          </a:fontRef>
-        </p:style>
-        <p:txBody>
-          <a:bodyPr rtlCol="0" anchor="ctr"/>
-          <a:lstStyle/>
-          <a:p>
-            <a:pPr algn="ctr"/>
-            <a:endParaRPr lang="en-IN"/>
-          </a:p>
-        </p:txBody>
-      </p:sp>
-      <p:sp>
-        <p:nvSpPr>
-          <p:cNvPr id="16" name="Rectangle 15">
-            <a:extLst>
-              <a:ext uri="{FF2B5EF4-FFF2-40B4-BE49-F238E27FC236}">
-                <a16:creationId xmlns:a16="http://schemas.microsoft.com/office/drawing/2014/main" id="{AD1DC1BE-07E3-4AF6-2676-9927AD6A37EF}"/>
-              </a:ext>
-            </a:extLst>
-          </p:cNvPr>
-          <p:cNvSpPr/>
-          <p:nvPr/>
-        </p:nvSpPr>
-        <p:spPr>
-          <a:xfrm>
-            <a:off x="11538858" y="-15282"/>
-            <a:ext cx="653142" cy="731433"/>
-          </a:xfrm>
-          <a:prstGeom prst="rect">
-            <a:avLst/>
-          </a:prstGeom>
-          <a:solidFill>
-            <a:srgbClr val="FFFF00"/>
-          </a:solidFill>
-          <a:ln>
-            <a:noFill/>
-          </a:ln>
-        </p:spPr>
-        <p:style>
-          <a:lnRef idx="3">
-            <a:schemeClr val="lt1"/>
-          </a:lnRef>
-          <a:fillRef idx="1">
-            <a:schemeClr val="accent4"/>
-          </a:fillRef>
-          <a:effectRef idx="1">
-            <a:schemeClr val="accent4"/>
-          </a:effectRef>
-          <a:fontRef idx="minor">
-            <a:schemeClr val="lt1"/>
-          </a:fontRef>
-        </p:style>
-        <p:txBody>
-          <a:bodyPr rtlCol="0" anchor="ctr"/>
-          <a:lstStyle/>
-          <a:p>
-            <a:pPr algn="ctr"/>
-            <a:endParaRPr lang="en-IN" dirty="0">
-              <a:highlight>
-                <a:srgbClr val="FFFF00"/>
-              </a:highlight>
-            </a:endParaRPr>
-          </a:p>
-        </p:txBody>
-      </p:sp>
-      <p:sp>
-        <p:nvSpPr>
-          <p:cNvPr id="3" name="Rectangle 2">
-            <a:extLst>
-              <a:ext uri="{FF2B5EF4-FFF2-40B4-BE49-F238E27FC236}">
-                <a16:creationId xmlns:a16="http://schemas.microsoft.com/office/drawing/2014/main" id="{5B6A854E-7FD7-C897-CFC9-35CC52D0C5B0}"/>
-              </a:ext>
-            </a:extLst>
-          </p:cNvPr>
-          <p:cNvSpPr/>
-          <p:nvPr/>
-        </p:nvSpPr>
-        <p:spPr>
-          <a:xfrm>
-            <a:off x="504614" y="6030686"/>
-            <a:ext cx="181186" cy="209474"/>
-          </a:xfrm>
-          <a:prstGeom prst="rect">
-            <a:avLst/>
-          </a:prstGeom>
-          <a:solidFill>
-            <a:srgbClr val="FFFF00"/>
-          </a:solidFill>
-          <a:ln>
-            <a:noFill/>
-          </a:ln>
-        </p:spPr>
-        <p:style>
-          <a:lnRef idx="3">
-            <a:schemeClr val="lt1"/>
-          </a:lnRef>
-          <a:fillRef idx="1">
-            <a:schemeClr val="accent4"/>
-          </a:fillRef>
-          <a:effectRef idx="1">
-            <a:schemeClr val="accent4"/>
-          </a:effectRef>
-          <a:fontRef idx="minor">
-            <a:schemeClr val="lt1"/>
-          </a:fontRef>
-        </p:style>
-        <p:txBody>
-          <a:bodyPr rtlCol="0" anchor="ctr"/>
-          <a:lstStyle/>
-          <a:p>
-            <a:pPr algn="ctr"/>
-            <a:endParaRPr lang="en-IN" dirty="0">
-              <a:highlight>
-                <a:srgbClr val="FFFF00"/>
-              </a:highlight>
-            </a:endParaRPr>
-          </a:p>
-        </p:txBody>
-      </p:sp>
-      <p:sp>
-        <p:nvSpPr>
-          <p:cNvPr id="9" name="Rectangle 8">
-            <a:extLst>
-              <a:ext uri="{FF2B5EF4-FFF2-40B4-BE49-F238E27FC236}">
-                <a16:creationId xmlns:a16="http://schemas.microsoft.com/office/drawing/2014/main" id="{34290854-9161-019F-47D6-706FE001CF00}"/>
-              </a:ext>
-            </a:extLst>
-          </p:cNvPr>
-          <p:cNvSpPr/>
-          <p:nvPr/>
-        </p:nvSpPr>
-        <p:spPr>
-          <a:xfrm rot="5400000">
-            <a:off x="11347310" y="539888"/>
-            <a:ext cx="198037" cy="185059"/>
-          </a:xfrm>
-          <a:prstGeom prst="rect">
-            <a:avLst/>
-          </a:prstGeom>
-          <a:solidFill>
-            <a:srgbClr val="0078A0"/>
-          </a:solidFill>
-          <a:ln>
-            <a:noFill/>
-          </a:ln>
-        </p:spPr>
-        <p:style>
-          <a:lnRef idx="2">
-            <a:schemeClr val="accent1">
-              <a:shade val="15000"/>
-            </a:schemeClr>
-          </a:lnRef>
-          <a:fillRef idx="1">
-            <a:schemeClr val="accent1"/>
-          </a:fillRef>
-          <a:effectRef idx="0">
-            <a:schemeClr val="accent1"/>
-          </a:effectRef>
-          <a:fontRef idx="minor">
-            <a:schemeClr val="lt1"/>
-          </a:fontRef>
-        </p:style>
-        <p:txBody>
-          <a:bodyPr rtlCol="0" anchor="ctr"/>
-          <a:lstStyle/>
-          <a:p>
-            <a:pPr algn="ctr"/>
-            <a:endParaRPr lang="en-IN"/>
-          </a:p>
-        </p:txBody>
-      </p:sp>
     </p:spTree>
     <p:extLst>
       <p:ext uri="{BB962C8B-B14F-4D97-AF65-F5344CB8AC3E}">
-        <p14:creationId xmlns:p14="http://schemas.microsoft.com/office/powerpoint/2010/main" val="2640778480"/>
+        <p14:creationId xmlns:p14="http://schemas.microsoft.com/office/powerpoint/2010/main" val="3698865832"/>
       </p:ext>
     </p:extLst>
   </p:cSld>
